--- a/object_lessons/object_lessons.pptx
+++ b/object_lessons/object_lessons.pptx
@@ -6,6 +6,7 @@
   </p:sldMasterIdLst>
   <p:sldIdLst>
     <p:sldId id="256" r:id="rId2"/>
+    <p:sldId id="257" r:id="rId3"/>
   </p:sldIdLst>
   <p:sldSz cx="12192000" cy="6858000"/>
   <p:notesSz cx="6858000" cy="9144000"/>
@@ -104,6 +105,11 @@
       </a:defRPr>
     </a:lvl9pPr>
   </p:defaultTextStyle>
+  <p:extLst>
+    <p:ext uri="{EFAFB233-063F-42B5-8137-9DF3F51BA10A}">
+      <p15:sldGuideLst xmlns:p15="http://schemas.microsoft.com/office/powerpoint/2012/main"/>
+    </p:ext>
+  </p:extLst>
 </p:presentation>
 </file>
 
@@ -4889,6 +4895,1451 @@
 </p:sld>
 </file>
 
+<file path=ppt/slides/slide2.xml><?xml version="1.0" encoding="utf-8"?>
+<p:sld xmlns:a="http://schemas.openxmlformats.org/drawingml/2006/main" xmlns:r="http://schemas.openxmlformats.org/officeDocument/2006/relationships" xmlns:p="http://schemas.openxmlformats.org/presentationml/2006/main">
+  <p:cSld>
+    <p:spTree>
+      <p:nvGrpSpPr>
+        <p:cNvPr id="1" name=""/>
+        <p:cNvGrpSpPr/>
+        <p:nvPr/>
+      </p:nvGrpSpPr>
+      <p:grpSpPr>
+        <a:xfrm>
+          <a:off x="0" y="0"/>
+          <a:ext cx="0" cy="0"/>
+          <a:chOff x="0" y="0"/>
+          <a:chExt cx="0" cy="0"/>
+        </a:xfrm>
+      </p:grpSpPr>
+      <p:sp>
+        <p:nvSpPr>
+          <p:cNvPr id="4" name="Rectangle 3">
+            <a:extLst>
+              <a:ext uri="{FF2B5EF4-FFF2-40B4-BE49-F238E27FC236}">
+                <a16:creationId xmlns:a16="http://schemas.microsoft.com/office/drawing/2014/main" id="{ACECB76D-86DA-40F9-9D8F-6F6BCC3DEF51}"/>
+              </a:ext>
+            </a:extLst>
+          </p:cNvPr>
+          <p:cNvSpPr/>
+          <p:nvPr/>
+        </p:nvSpPr>
+        <p:spPr>
+          <a:xfrm>
+            <a:off x="2247653" y="1284051"/>
+            <a:ext cx="1842827" cy="1162455"/>
+          </a:xfrm>
+          <a:prstGeom prst="rect">
+            <a:avLst/>
+          </a:prstGeom>
+          <a:noFill/>
+        </p:spPr>
+        <p:style>
+          <a:lnRef idx="2">
+            <a:schemeClr val="accent1">
+              <a:shade val="50000"/>
+            </a:schemeClr>
+          </a:lnRef>
+          <a:fillRef idx="1">
+            <a:schemeClr val="accent1"/>
+          </a:fillRef>
+          <a:effectRef idx="0">
+            <a:schemeClr val="accent1"/>
+          </a:effectRef>
+          <a:fontRef idx="minor">
+            <a:schemeClr val="lt1"/>
+          </a:fontRef>
+        </p:style>
+        <p:txBody>
+          <a:bodyPr rtlCol="0" anchor="ctr"/>
+          <a:lstStyle/>
+          <a:p>
+            <a:pPr algn="ctr"/>
+            <a:endParaRPr lang="en-US"/>
+          </a:p>
+        </p:txBody>
+      </p:sp>
+      <p:cxnSp>
+        <p:nvCxnSpPr>
+          <p:cNvPr id="6" name="Straight Connector 5">
+            <a:extLst>
+              <a:ext uri="{FF2B5EF4-FFF2-40B4-BE49-F238E27FC236}">
+                <a16:creationId xmlns:a16="http://schemas.microsoft.com/office/drawing/2014/main" id="{04D8F940-58C1-40BB-B2E7-132DD7207B37}"/>
+              </a:ext>
+            </a:extLst>
+          </p:cNvPr>
+          <p:cNvCxnSpPr>
+            <a:cxnSpLocks/>
+            <a:stCxn id="4" idx="1"/>
+            <a:endCxn id="4" idx="3"/>
+          </p:cNvCxnSpPr>
+          <p:nvPr/>
+        </p:nvCxnSpPr>
+        <p:spPr>
+          <a:xfrm>
+            <a:off x="2247653" y="1865279"/>
+            <a:ext cx="1842827" cy="0"/>
+          </a:xfrm>
+          <a:prstGeom prst="line">
+            <a:avLst/>
+          </a:prstGeom>
+        </p:spPr>
+        <p:style>
+          <a:lnRef idx="1">
+            <a:schemeClr val="accent1"/>
+          </a:lnRef>
+          <a:fillRef idx="0">
+            <a:schemeClr val="accent1"/>
+          </a:fillRef>
+          <a:effectRef idx="0">
+            <a:schemeClr val="accent1"/>
+          </a:effectRef>
+          <a:fontRef idx="minor">
+            <a:schemeClr val="tx1"/>
+          </a:fontRef>
+        </p:style>
+      </p:cxnSp>
+      <p:sp>
+        <p:nvSpPr>
+          <p:cNvPr id="7" name="Rectangle 6">
+            <a:extLst>
+              <a:ext uri="{FF2B5EF4-FFF2-40B4-BE49-F238E27FC236}">
+                <a16:creationId xmlns:a16="http://schemas.microsoft.com/office/drawing/2014/main" id="{7D9FC0EA-ED8C-4D3B-9457-BEAF5757CCE3}"/>
+              </a:ext>
+            </a:extLst>
+          </p:cNvPr>
+          <p:cNvSpPr/>
+          <p:nvPr/>
+        </p:nvSpPr>
+        <p:spPr>
+          <a:xfrm>
+            <a:off x="5194089" y="911409"/>
+            <a:ext cx="2020822" cy="1162455"/>
+          </a:xfrm>
+          <a:prstGeom prst="rect">
+            <a:avLst/>
+          </a:prstGeom>
+          <a:noFill/>
+        </p:spPr>
+        <p:style>
+          <a:lnRef idx="2">
+            <a:schemeClr val="accent1">
+              <a:shade val="50000"/>
+            </a:schemeClr>
+          </a:lnRef>
+          <a:fillRef idx="1">
+            <a:schemeClr val="accent1"/>
+          </a:fillRef>
+          <a:effectRef idx="0">
+            <a:schemeClr val="accent1"/>
+          </a:effectRef>
+          <a:fontRef idx="minor">
+            <a:schemeClr val="lt1"/>
+          </a:fontRef>
+        </p:style>
+        <p:txBody>
+          <a:bodyPr rtlCol="0" anchor="ctr"/>
+          <a:lstStyle/>
+          <a:p>
+            <a:pPr algn="ctr"/>
+            <a:endParaRPr lang="en-US"/>
+          </a:p>
+        </p:txBody>
+      </p:sp>
+      <p:cxnSp>
+        <p:nvCxnSpPr>
+          <p:cNvPr id="8" name="Straight Connector 7">
+            <a:extLst>
+              <a:ext uri="{FF2B5EF4-FFF2-40B4-BE49-F238E27FC236}">
+                <a16:creationId xmlns:a16="http://schemas.microsoft.com/office/drawing/2014/main" id="{A72B2AD2-6F0F-418A-BA4B-E32EF3348347}"/>
+              </a:ext>
+            </a:extLst>
+          </p:cNvPr>
+          <p:cNvCxnSpPr>
+            <a:stCxn id="7" idx="1"/>
+            <a:endCxn id="7" idx="3"/>
+          </p:cNvCxnSpPr>
+          <p:nvPr/>
+        </p:nvCxnSpPr>
+        <p:spPr>
+          <a:xfrm>
+            <a:off x="5194089" y="1492637"/>
+            <a:ext cx="2020822" cy="0"/>
+          </a:xfrm>
+          <a:prstGeom prst="line">
+            <a:avLst/>
+          </a:prstGeom>
+        </p:spPr>
+        <p:style>
+          <a:lnRef idx="1">
+            <a:schemeClr val="accent1"/>
+          </a:lnRef>
+          <a:fillRef idx="0">
+            <a:schemeClr val="accent1"/>
+          </a:fillRef>
+          <a:effectRef idx="0">
+            <a:schemeClr val="accent1"/>
+          </a:effectRef>
+          <a:fontRef idx="minor">
+            <a:schemeClr val="tx1"/>
+          </a:fontRef>
+        </p:style>
+      </p:cxnSp>
+      <p:sp>
+        <p:nvSpPr>
+          <p:cNvPr id="12" name="Rectangle 11">
+            <a:extLst>
+              <a:ext uri="{FF2B5EF4-FFF2-40B4-BE49-F238E27FC236}">
+                <a16:creationId xmlns:a16="http://schemas.microsoft.com/office/drawing/2014/main" id="{24B5E6A9-E6A1-4AF1-B498-C824932AFFD9}"/>
+              </a:ext>
+            </a:extLst>
+          </p:cNvPr>
+          <p:cNvSpPr/>
+          <p:nvPr/>
+        </p:nvSpPr>
+        <p:spPr>
+          <a:xfrm>
+            <a:off x="5194089" y="3086558"/>
+            <a:ext cx="2124159" cy="1609328"/>
+          </a:xfrm>
+          <a:prstGeom prst="rect">
+            <a:avLst/>
+          </a:prstGeom>
+          <a:noFill/>
+        </p:spPr>
+        <p:style>
+          <a:lnRef idx="2">
+            <a:schemeClr val="accent1">
+              <a:shade val="50000"/>
+            </a:schemeClr>
+          </a:lnRef>
+          <a:fillRef idx="1">
+            <a:schemeClr val="accent1"/>
+          </a:fillRef>
+          <a:effectRef idx="0">
+            <a:schemeClr val="accent1"/>
+          </a:effectRef>
+          <a:fontRef idx="minor">
+            <a:schemeClr val="lt1"/>
+          </a:fontRef>
+        </p:style>
+        <p:txBody>
+          <a:bodyPr rtlCol="0" anchor="ctr"/>
+          <a:lstStyle/>
+          <a:p>
+            <a:pPr algn="ctr"/>
+            <a:endParaRPr lang="en-US"/>
+          </a:p>
+        </p:txBody>
+      </p:sp>
+      <p:cxnSp>
+        <p:nvCxnSpPr>
+          <p:cNvPr id="13" name="Straight Connector 12">
+            <a:extLst>
+              <a:ext uri="{FF2B5EF4-FFF2-40B4-BE49-F238E27FC236}">
+                <a16:creationId xmlns:a16="http://schemas.microsoft.com/office/drawing/2014/main" id="{366F31B6-4DC6-40D6-92C7-FAF302A1FF46}"/>
+              </a:ext>
+            </a:extLst>
+          </p:cNvPr>
+          <p:cNvCxnSpPr/>
+          <p:nvPr/>
+        </p:nvCxnSpPr>
+        <p:spPr>
+          <a:xfrm>
+            <a:off x="5194089" y="3402147"/>
+            <a:ext cx="2124159" cy="0"/>
+          </a:xfrm>
+          <a:prstGeom prst="line">
+            <a:avLst/>
+          </a:prstGeom>
+        </p:spPr>
+        <p:style>
+          <a:lnRef idx="1">
+            <a:schemeClr val="accent1"/>
+          </a:lnRef>
+          <a:fillRef idx="0">
+            <a:schemeClr val="accent1"/>
+          </a:fillRef>
+          <a:effectRef idx="0">
+            <a:schemeClr val="accent1"/>
+          </a:effectRef>
+          <a:fontRef idx="minor">
+            <a:schemeClr val="tx1"/>
+          </a:fontRef>
+        </p:style>
+      </p:cxnSp>
+      <p:cxnSp>
+        <p:nvCxnSpPr>
+          <p:cNvPr id="14" name="Straight Connector 13">
+            <a:extLst>
+              <a:ext uri="{FF2B5EF4-FFF2-40B4-BE49-F238E27FC236}">
+                <a16:creationId xmlns:a16="http://schemas.microsoft.com/office/drawing/2014/main" id="{AB312317-B0B1-4A0B-830C-15626D66B79B}"/>
+              </a:ext>
+            </a:extLst>
+          </p:cNvPr>
+          <p:cNvCxnSpPr/>
+          <p:nvPr/>
+        </p:nvCxnSpPr>
+        <p:spPr>
+          <a:xfrm>
+            <a:off x="5194089" y="3708295"/>
+            <a:ext cx="2124159" cy="0"/>
+          </a:xfrm>
+          <a:prstGeom prst="line">
+            <a:avLst/>
+          </a:prstGeom>
+        </p:spPr>
+        <p:style>
+          <a:lnRef idx="1">
+            <a:schemeClr val="accent1"/>
+          </a:lnRef>
+          <a:fillRef idx="0">
+            <a:schemeClr val="accent1"/>
+          </a:fillRef>
+          <a:effectRef idx="0">
+            <a:schemeClr val="accent1"/>
+          </a:effectRef>
+          <a:fontRef idx="minor">
+            <a:schemeClr val="tx1"/>
+          </a:fontRef>
+        </p:style>
+      </p:cxnSp>
+      <p:cxnSp>
+        <p:nvCxnSpPr>
+          <p:cNvPr id="15" name="Straight Connector 14">
+            <a:extLst>
+              <a:ext uri="{FF2B5EF4-FFF2-40B4-BE49-F238E27FC236}">
+                <a16:creationId xmlns:a16="http://schemas.microsoft.com/office/drawing/2014/main" id="{85B577FD-D9B8-41AD-B632-3458012AB5DE}"/>
+              </a:ext>
+            </a:extLst>
+          </p:cNvPr>
+          <p:cNvCxnSpPr/>
+          <p:nvPr/>
+        </p:nvCxnSpPr>
+        <p:spPr>
+          <a:xfrm>
+            <a:off x="5194089" y="4022536"/>
+            <a:ext cx="2124159" cy="0"/>
+          </a:xfrm>
+          <a:prstGeom prst="line">
+            <a:avLst/>
+          </a:prstGeom>
+        </p:spPr>
+        <p:style>
+          <a:lnRef idx="1">
+            <a:schemeClr val="accent1"/>
+          </a:lnRef>
+          <a:fillRef idx="0">
+            <a:schemeClr val="accent1"/>
+          </a:fillRef>
+          <a:effectRef idx="0">
+            <a:schemeClr val="accent1"/>
+          </a:effectRef>
+          <a:fontRef idx="minor">
+            <a:schemeClr val="tx1"/>
+          </a:fontRef>
+        </p:style>
+      </p:cxnSp>
+      <p:cxnSp>
+        <p:nvCxnSpPr>
+          <p:cNvPr id="16" name="Straight Connector 15">
+            <a:extLst>
+              <a:ext uri="{FF2B5EF4-FFF2-40B4-BE49-F238E27FC236}">
+                <a16:creationId xmlns:a16="http://schemas.microsoft.com/office/drawing/2014/main" id="{39C65787-E35A-4A5E-8F0A-6914FE2F72C5}"/>
+              </a:ext>
+            </a:extLst>
+          </p:cNvPr>
+          <p:cNvCxnSpPr/>
+          <p:nvPr/>
+        </p:nvCxnSpPr>
+        <p:spPr>
+          <a:xfrm>
+            <a:off x="5194089" y="4344869"/>
+            <a:ext cx="2124159" cy="0"/>
+          </a:xfrm>
+          <a:prstGeom prst="line">
+            <a:avLst/>
+          </a:prstGeom>
+        </p:spPr>
+        <p:style>
+          <a:lnRef idx="1">
+            <a:schemeClr val="accent1"/>
+          </a:lnRef>
+          <a:fillRef idx="0">
+            <a:schemeClr val="accent1"/>
+          </a:fillRef>
+          <a:effectRef idx="0">
+            <a:schemeClr val="accent1"/>
+          </a:effectRef>
+          <a:fontRef idx="minor">
+            <a:schemeClr val="tx1"/>
+          </a:fontRef>
+        </p:style>
+      </p:cxnSp>
+      <p:sp>
+        <p:nvSpPr>
+          <p:cNvPr id="19" name="Oval 18">
+            <a:extLst>
+              <a:ext uri="{FF2B5EF4-FFF2-40B4-BE49-F238E27FC236}">
+                <a16:creationId xmlns:a16="http://schemas.microsoft.com/office/drawing/2014/main" id="{34362ECC-EBBB-4749-8B32-EBDD01B49410}"/>
+              </a:ext>
+            </a:extLst>
+          </p:cNvPr>
+          <p:cNvSpPr/>
+          <p:nvPr/>
+        </p:nvSpPr>
+        <p:spPr>
+          <a:xfrm>
+            <a:off x="7107856" y="3233700"/>
+            <a:ext cx="45719" cy="45719"/>
+          </a:xfrm>
+          <a:prstGeom prst="ellipse">
+            <a:avLst/>
+          </a:prstGeom>
+        </p:spPr>
+        <p:style>
+          <a:lnRef idx="2">
+            <a:schemeClr val="accent1">
+              <a:shade val="50000"/>
+            </a:schemeClr>
+          </a:lnRef>
+          <a:fillRef idx="1">
+            <a:schemeClr val="accent1"/>
+          </a:fillRef>
+          <a:effectRef idx="0">
+            <a:schemeClr val="accent1"/>
+          </a:effectRef>
+          <a:fontRef idx="minor">
+            <a:schemeClr val="lt1"/>
+          </a:fontRef>
+        </p:style>
+        <p:txBody>
+          <a:bodyPr rtlCol="0" anchor="ctr"/>
+          <a:lstStyle/>
+          <a:p>
+            <a:pPr algn="ctr"/>
+            <a:endParaRPr lang="en-US"/>
+          </a:p>
+        </p:txBody>
+      </p:sp>
+      <p:sp>
+        <p:nvSpPr>
+          <p:cNvPr id="20" name="Oval 19">
+            <a:extLst>
+              <a:ext uri="{FF2B5EF4-FFF2-40B4-BE49-F238E27FC236}">
+                <a16:creationId xmlns:a16="http://schemas.microsoft.com/office/drawing/2014/main" id="{84271BB6-A8D3-44B8-9489-252A01CB229B}"/>
+              </a:ext>
+            </a:extLst>
+          </p:cNvPr>
+          <p:cNvSpPr/>
+          <p:nvPr/>
+        </p:nvSpPr>
+        <p:spPr>
+          <a:xfrm>
+            <a:off x="7107855" y="3539847"/>
+            <a:ext cx="45719" cy="45719"/>
+          </a:xfrm>
+          <a:prstGeom prst="ellipse">
+            <a:avLst/>
+          </a:prstGeom>
+        </p:spPr>
+        <p:style>
+          <a:lnRef idx="2">
+            <a:schemeClr val="accent1">
+              <a:shade val="50000"/>
+            </a:schemeClr>
+          </a:lnRef>
+          <a:fillRef idx="1">
+            <a:schemeClr val="accent1"/>
+          </a:fillRef>
+          <a:effectRef idx="0">
+            <a:schemeClr val="accent1"/>
+          </a:effectRef>
+          <a:fontRef idx="minor">
+            <a:schemeClr val="lt1"/>
+          </a:fontRef>
+        </p:style>
+        <p:txBody>
+          <a:bodyPr rtlCol="0" anchor="ctr"/>
+          <a:lstStyle/>
+          <a:p>
+            <a:pPr algn="ctr"/>
+            <a:endParaRPr lang="en-US"/>
+          </a:p>
+        </p:txBody>
+      </p:sp>
+      <p:sp>
+        <p:nvSpPr>
+          <p:cNvPr id="21" name="Oval 20">
+            <a:extLst>
+              <a:ext uri="{FF2B5EF4-FFF2-40B4-BE49-F238E27FC236}">
+                <a16:creationId xmlns:a16="http://schemas.microsoft.com/office/drawing/2014/main" id="{E6D996C7-736A-4613-B1AC-C3CAF9015078}"/>
+              </a:ext>
+            </a:extLst>
+          </p:cNvPr>
+          <p:cNvSpPr/>
+          <p:nvPr/>
+        </p:nvSpPr>
+        <p:spPr>
+          <a:xfrm>
+            <a:off x="7107855" y="3845994"/>
+            <a:ext cx="45719" cy="45719"/>
+          </a:xfrm>
+          <a:prstGeom prst="ellipse">
+            <a:avLst/>
+          </a:prstGeom>
+        </p:spPr>
+        <p:style>
+          <a:lnRef idx="2">
+            <a:schemeClr val="accent1">
+              <a:shade val="50000"/>
+            </a:schemeClr>
+          </a:lnRef>
+          <a:fillRef idx="1">
+            <a:schemeClr val="accent1"/>
+          </a:fillRef>
+          <a:effectRef idx="0">
+            <a:schemeClr val="accent1"/>
+          </a:effectRef>
+          <a:fontRef idx="minor">
+            <a:schemeClr val="lt1"/>
+          </a:fontRef>
+        </p:style>
+        <p:txBody>
+          <a:bodyPr rtlCol="0" anchor="ctr"/>
+          <a:lstStyle/>
+          <a:p>
+            <a:pPr algn="ctr"/>
+            <a:endParaRPr lang="en-US"/>
+          </a:p>
+        </p:txBody>
+      </p:sp>
+      <p:sp>
+        <p:nvSpPr>
+          <p:cNvPr id="22" name="Oval 21">
+            <a:extLst>
+              <a:ext uri="{FF2B5EF4-FFF2-40B4-BE49-F238E27FC236}">
+                <a16:creationId xmlns:a16="http://schemas.microsoft.com/office/drawing/2014/main" id="{EC1E27B2-0ABA-41E0-9D95-53E2FE89AE2D}"/>
+              </a:ext>
+            </a:extLst>
+          </p:cNvPr>
+          <p:cNvSpPr/>
+          <p:nvPr/>
+        </p:nvSpPr>
+        <p:spPr>
+          <a:xfrm>
+            <a:off x="7107854" y="4160843"/>
+            <a:ext cx="45719" cy="45719"/>
+          </a:xfrm>
+          <a:prstGeom prst="ellipse">
+            <a:avLst/>
+          </a:prstGeom>
+        </p:spPr>
+        <p:style>
+          <a:lnRef idx="2">
+            <a:schemeClr val="accent1">
+              <a:shade val="50000"/>
+            </a:schemeClr>
+          </a:lnRef>
+          <a:fillRef idx="1">
+            <a:schemeClr val="accent1"/>
+          </a:fillRef>
+          <a:effectRef idx="0">
+            <a:schemeClr val="accent1"/>
+          </a:effectRef>
+          <a:fontRef idx="minor">
+            <a:schemeClr val="lt1"/>
+          </a:fontRef>
+        </p:style>
+        <p:txBody>
+          <a:bodyPr rtlCol="0" anchor="ctr"/>
+          <a:lstStyle/>
+          <a:p>
+            <a:pPr algn="ctr"/>
+            <a:endParaRPr lang="en-US"/>
+          </a:p>
+        </p:txBody>
+      </p:sp>
+      <p:sp>
+        <p:nvSpPr>
+          <p:cNvPr id="23" name="Oval 22">
+            <a:extLst>
+              <a:ext uri="{FF2B5EF4-FFF2-40B4-BE49-F238E27FC236}">
+                <a16:creationId xmlns:a16="http://schemas.microsoft.com/office/drawing/2014/main" id="{6F9493D7-CD71-4A65-967C-F5A342CBA0E5}"/>
+              </a:ext>
+            </a:extLst>
+          </p:cNvPr>
+          <p:cNvSpPr/>
+          <p:nvPr/>
+        </p:nvSpPr>
+        <p:spPr>
+          <a:xfrm>
+            <a:off x="7107853" y="4496661"/>
+            <a:ext cx="45719" cy="45719"/>
+          </a:xfrm>
+          <a:prstGeom prst="ellipse">
+            <a:avLst/>
+          </a:prstGeom>
+        </p:spPr>
+        <p:style>
+          <a:lnRef idx="2">
+            <a:schemeClr val="accent1">
+              <a:shade val="50000"/>
+            </a:schemeClr>
+          </a:lnRef>
+          <a:fillRef idx="1">
+            <a:schemeClr val="accent1"/>
+          </a:fillRef>
+          <a:effectRef idx="0">
+            <a:schemeClr val="accent1"/>
+          </a:effectRef>
+          <a:fontRef idx="minor">
+            <a:schemeClr val="lt1"/>
+          </a:fontRef>
+        </p:style>
+        <p:txBody>
+          <a:bodyPr rtlCol="0" anchor="ctr"/>
+          <a:lstStyle/>
+          <a:p>
+            <a:pPr algn="ctr"/>
+            <a:endParaRPr lang="en-US"/>
+          </a:p>
+        </p:txBody>
+      </p:sp>
+      <p:sp>
+        <p:nvSpPr>
+          <p:cNvPr id="27" name="TextBox 26">
+            <a:extLst>
+              <a:ext uri="{FF2B5EF4-FFF2-40B4-BE49-F238E27FC236}">
+                <a16:creationId xmlns:a16="http://schemas.microsoft.com/office/drawing/2014/main" id="{56C5BC62-1F65-41B2-8CA2-2501B482B725}"/>
+              </a:ext>
+            </a:extLst>
+          </p:cNvPr>
+          <p:cNvSpPr txBox="1"/>
+          <p:nvPr/>
+        </p:nvSpPr>
+        <p:spPr>
+          <a:xfrm>
+            <a:off x="5704675" y="1061884"/>
+            <a:ext cx="672527" cy="369332"/>
+          </a:xfrm>
+          <a:prstGeom prst="rect">
+            <a:avLst/>
+          </a:prstGeom>
+          <a:noFill/>
+        </p:spPr>
+        <p:txBody>
+          <a:bodyPr wrap="square" rtlCol="0">
+            <a:spAutoFit/>
+          </a:bodyPr>
+          <a:lstStyle/>
+          <a:p>
+            <a:r>
+              <a:rPr lang="en-US" dirty="0"/>
+              <a:t>_x</a:t>
+            </a:r>
+          </a:p>
+        </p:txBody>
+      </p:sp>
+      <p:sp>
+        <p:nvSpPr>
+          <p:cNvPr id="28" name="TextBox 27">
+            <a:extLst>
+              <a:ext uri="{FF2B5EF4-FFF2-40B4-BE49-F238E27FC236}">
+                <a16:creationId xmlns:a16="http://schemas.microsoft.com/office/drawing/2014/main" id="{884B0DC7-1F16-4014-8B6C-452DCA1D4DC6}"/>
+              </a:ext>
+            </a:extLst>
+          </p:cNvPr>
+          <p:cNvSpPr txBox="1"/>
+          <p:nvPr/>
+        </p:nvSpPr>
+        <p:spPr>
+          <a:xfrm>
+            <a:off x="5563092" y="1693115"/>
+            <a:ext cx="1444883" cy="369332"/>
+          </a:xfrm>
+          <a:prstGeom prst="rect">
+            <a:avLst/>
+          </a:prstGeom>
+          <a:noFill/>
+        </p:spPr>
+        <p:txBody>
+          <a:bodyPr wrap="none" rtlCol="0">
+            <a:spAutoFit/>
+          </a:bodyPr>
+          <a:lstStyle/>
+          <a:p>
+            <a:r>
+              <a:rPr lang="en-US" dirty="0"/>
+              <a:t>_</a:t>
+            </a:r>
+            <a:r>
+              <a:rPr lang="en-US" dirty="0" err="1"/>
+              <a:t>point_count</a:t>
+            </a:r>
+            <a:endParaRPr lang="en-US" dirty="0"/>
+          </a:p>
+        </p:txBody>
+      </p:sp>
+      <p:cxnSp>
+        <p:nvCxnSpPr>
+          <p:cNvPr id="30" name="Straight Arrow Connector 29">
+            <a:extLst>
+              <a:ext uri="{FF2B5EF4-FFF2-40B4-BE49-F238E27FC236}">
+                <a16:creationId xmlns:a16="http://schemas.microsoft.com/office/drawing/2014/main" id="{73F24EDA-B89F-464F-B05F-21FB68D685AD}"/>
+              </a:ext>
+            </a:extLst>
+          </p:cNvPr>
+          <p:cNvCxnSpPr>
+            <a:stCxn id="19" idx="7"/>
+          </p:cNvCxnSpPr>
+          <p:nvPr/>
+        </p:nvCxnSpPr>
+        <p:spPr>
+          <a:xfrm flipV="1">
+            <a:off x="7146880" y="3233700"/>
+            <a:ext cx="716960" cy="6695"/>
+          </a:xfrm>
+          <a:prstGeom prst="straightConnector1">
+            <a:avLst/>
+          </a:prstGeom>
+          <a:ln>
+            <a:tailEnd type="triangle"/>
+          </a:ln>
+        </p:spPr>
+        <p:style>
+          <a:lnRef idx="1">
+            <a:schemeClr val="accent1"/>
+          </a:lnRef>
+          <a:fillRef idx="0">
+            <a:schemeClr val="accent1"/>
+          </a:fillRef>
+          <a:effectRef idx="0">
+            <a:schemeClr val="accent1"/>
+          </a:effectRef>
+          <a:fontRef idx="minor">
+            <a:schemeClr val="tx1"/>
+          </a:fontRef>
+        </p:style>
+      </p:cxnSp>
+      <p:cxnSp>
+        <p:nvCxnSpPr>
+          <p:cNvPr id="31" name="Straight Arrow Connector 30">
+            <a:extLst>
+              <a:ext uri="{FF2B5EF4-FFF2-40B4-BE49-F238E27FC236}">
+                <a16:creationId xmlns:a16="http://schemas.microsoft.com/office/drawing/2014/main" id="{DAE5610C-524D-43BA-81EB-0FA2A00E4178}"/>
+              </a:ext>
+            </a:extLst>
+          </p:cNvPr>
+          <p:cNvCxnSpPr/>
+          <p:nvPr/>
+        </p:nvCxnSpPr>
+        <p:spPr>
+          <a:xfrm flipV="1">
+            <a:off x="7153572" y="3556011"/>
+            <a:ext cx="716960" cy="6695"/>
+          </a:xfrm>
+          <a:prstGeom prst="straightConnector1">
+            <a:avLst/>
+          </a:prstGeom>
+          <a:ln>
+            <a:tailEnd type="triangle"/>
+          </a:ln>
+        </p:spPr>
+        <p:style>
+          <a:lnRef idx="1">
+            <a:schemeClr val="accent1"/>
+          </a:lnRef>
+          <a:fillRef idx="0">
+            <a:schemeClr val="accent1"/>
+          </a:fillRef>
+          <a:effectRef idx="0">
+            <a:schemeClr val="accent1"/>
+          </a:effectRef>
+          <a:fontRef idx="minor">
+            <a:schemeClr val="tx1"/>
+          </a:fontRef>
+        </p:style>
+      </p:cxnSp>
+      <p:cxnSp>
+        <p:nvCxnSpPr>
+          <p:cNvPr id="32" name="Straight Arrow Connector 31">
+            <a:extLst>
+              <a:ext uri="{FF2B5EF4-FFF2-40B4-BE49-F238E27FC236}">
+                <a16:creationId xmlns:a16="http://schemas.microsoft.com/office/drawing/2014/main" id="{1CF74871-8D6A-4382-A2AC-09C9984D7AAA}"/>
+              </a:ext>
+            </a:extLst>
+          </p:cNvPr>
+          <p:cNvCxnSpPr/>
+          <p:nvPr/>
+        </p:nvCxnSpPr>
+        <p:spPr>
+          <a:xfrm flipV="1">
+            <a:off x="7153572" y="3858720"/>
+            <a:ext cx="716960" cy="6695"/>
+          </a:xfrm>
+          <a:prstGeom prst="straightConnector1">
+            <a:avLst/>
+          </a:prstGeom>
+          <a:ln>
+            <a:tailEnd type="triangle"/>
+          </a:ln>
+        </p:spPr>
+        <p:style>
+          <a:lnRef idx="1">
+            <a:schemeClr val="accent1"/>
+          </a:lnRef>
+          <a:fillRef idx="0">
+            <a:schemeClr val="accent1"/>
+          </a:fillRef>
+          <a:effectRef idx="0">
+            <a:schemeClr val="accent1"/>
+          </a:effectRef>
+          <a:fontRef idx="minor">
+            <a:schemeClr val="tx1"/>
+          </a:fontRef>
+        </p:style>
+      </p:cxnSp>
+      <p:cxnSp>
+        <p:nvCxnSpPr>
+          <p:cNvPr id="33" name="Straight Arrow Connector 32">
+            <a:extLst>
+              <a:ext uri="{FF2B5EF4-FFF2-40B4-BE49-F238E27FC236}">
+                <a16:creationId xmlns:a16="http://schemas.microsoft.com/office/drawing/2014/main" id="{05534394-A62F-4632-ABC2-94F93AF713A3}"/>
+              </a:ext>
+            </a:extLst>
+          </p:cNvPr>
+          <p:cNvCxnSpPr/>
+          <p:nvPr/>
+        </p:nvCxnSpPr>
+        <p:spPr>
+          <a:xfrm flipV="1">
+            <a:off x="7146880" y="4182860"/>
+            <a:ext cx="716960" cy="6695"/>
+          </a:xfrm>
+          <a:prstGeom prst="straightConnector1">
+            <a:avLst/>
+          </a:prstGeom>
+          <a:ln>
+            <a:tailEnd type="triangle"/>
+          </a:ln>
+        </p:spPr>
+        <p:style>
+          <a:lnRef idx="1">
+            <a:schemeClr val="accent1"/>
+          </a:lnRef>
+          <a:fillRef idx="0">
+            <a:schemeClr val="accent1"/>
+          </a:fillRef>
+          <a:effectRef idx="0">
+            <a:schemeClr val="accent1"/>
+          </a:effectRef>
+          <a:fontRef idx="minor">
+            <a:schemeClr val="tx1"/>
+          </a:fontRef>
+        </p:style>
+      </p:cxnSp>
+      <p:cxnSp>
+        <p:nvCxnSpPr>
+          <p:cNvPr id="34" name="Straight Arrow Connector 33">
+            <a:extLst>
+              <a:ext uri="{FF2B5EF4-FFF2-40B4-BE49-F238E27FC236}">
+                <a16:creationId xmlns:a16="http://schemas.microsoft.com/office/drawing/2014/main" id="{891970A4-0612-4CDB-AE97-18EFC98E3B4C}"/>
+              </a:ext>
+            </a:extLst>
+          </p:cNvPr>
+          <p:cNvCxnSpPr/>
+          <p:nvPr/>
+        </p:nvCxnSpPr>
+        <p:spPr>
+          <a:xfrm flipV="1">
+            <a:off x="7130712" y="4513682"/>
+            <a:ext cx="716960" cy="6695"/>
+          </a:xfrm>
+          <a:prstGeom prst="straightConnector1">
+            <a:avLst/>
+          </a:prstGeom>
+          <a:ln>
+            <a:tailEnd type="triangle"/>
+          </a:ln>
+        </p:spPr>
+        <p:style>
+          <a:lnRef idx="1">
+            <a:schemeClr val="accent1"/>
+          </a:lnRef>
+          <a:fillRef idx="0">
+            <a:schemeClr val="accent1"/>
+          </a:fillRef>
+          <a:effectRef idx="0">
+            <a:schemeClr val="accent1"/>
+          </a:effectRef>
+          <a:fontRef idx="minor">
+            <a:schemeClr val="tx1"/>
+          </a:fontRef>
+        </p:style>
+      </p:cxnSp>
+      <p:sp>
+        <p:nvSpPr>
+          <p:cNvPr id="35" name="TextBox 34">
+            <a:extLst>
+              <a:ext uri="{FF2B5EF4-FFF2-40B4-BE49-F238E27FC236}">
+                <a16:creationId xmlns:a16="http://schemas.microsoft.com/office/drawing/2014/main" id="{C2DE76BD-0C3D-419D-B7AE-0A2822CF82AA}"/>
+              </a:ext>
+            </a:extLst>
+          </p:cNvPr>
+          <p:cNvSpPr txBox="1"/>
+          <p:nvPr/>
+        </p:nvSpPr>
+        <p:spPr>
+          <a:xfrm>
+            <a:off x="7863840" y="3000293"/>
+            <a:ext cx="343364" cy="369332"/>
+          </a:xfrm>
+          <a:prstGeom prst="rect">
+            <a:avLst/>
+          </a:prstGeom>
+          <a:noFill/>
+        </p:spPr>
+        <p:txBody>
+          <a:bodyPr wrap="none" rtlCol="0">
+            <a:spAutoFit/>
+          </a:bodyPr>
+          <a:lstStyle/>
+          <a:p>
+            <a:r>
+              <a:rPr lang="en-US" dirty="0"/>
+              <a:t>…</a:t>
+            </a:r>
+          </a:p>
+        </p:txBody>
+      </p:sp>
+      <p:sp>
+        <p:nvSpPr>
+          <p:cNvPr id="36" name="TextBox 35">
+            <a:extLst>
+              <a:ext uri="{FF2B5EF4-FFF2-40B4-BE49-F238E27FC236}">
+                <a16:creationId xmlns:a16="http://schemas.microsoft.com/office/drawing/2014/main" id="{D171014F-7842-4C08-84FD-2D14F7E87EAE}"/>
+              </a:ext>
+            </a:extLst>
+          </p:cNvPr>
+          <p:cNvSpPr txBox="1"/>
+          <p:nvPr/>
+        </p:nvSpPr>
+        <p:spPr>
+          <a:xfrm>
+            <a:off x="7870532" y="3303710"/>
+            <a:ext cx="343364" cy="369332"/>
+          </a:xfrm>
+          <a:prstGeom prst="rect">
+            <a:avLst/>
+          </a:prstGeom>
+          <a:noFill/>
+        </p:spPr>
+        <p:txBody>
+          <a:bodyPr wrap="none" rtlCol="0">
+            <a:spAutoFit/>
+          </a:bodyPr>
+          <a:lstStyle/>
+          <a:p>
+            <a:r>
+              <a:rPr lang="en-US" dirty="0"/>
+              <a:t>…</a:t>
+            </a:r>
+          </a:p>
+        </p:txBody>
+      </p:sp>
+      <p:sp>
+        <p:nvSpPr>
+          <p:cNvPr id="37" name="TextBox 36">
+            <a:extLst>
+              <a:ext uri="{FF2B5EF4-FFF2-40B4-BE49-F238E27FC236}">
+                <a16:creationId xmlns:a16="http://schemas.microsoft.com/office/drawing/2014/main" id="{6BA3D723-269F-482C-BA89-54ED97C1D63E}"/>
+              </a:ext>
+            </a:extLst>
+          </p:cNvPr>
+          <p:cNvSpPr txBox="1"/>
+          <p:nvPr/>
+        </p:nvSpPr>
+        <p:spPr>
+          <a:xfrm>
+            <a:off x="7877224" y="3607127"/>
+            <a:ext cx="343364" cy="369332"/>
+          </a:xfrm>
+          <a:prstGeom prst="rect">
+            <a:avLst/>
+          </a:prstGeom>
+          <a:noFill/>
+        </p:spPr>
+        <p:txBody>
+          <a:bodyPr wrap="none" rtlCol="0">
+            <a:spAutoFit/>
+          </a:bodyPr>
+          <a:lstStyle/>
+          <a:p>
+            <a:r>
+              <a:rPr lang="en-US" dirty="0"/>
+              <a:t>…</a:t>
+            </a:r>
+          </a:p>
+        </p:txBody>
+      </p:sp>
+      <p:sp>
+        <p:nvSpPr>
+          <p:cNvPr id="38" name="TextBox 37">
+            <a:extLst>
+              <a:ext uri="{FF2B5EF4-FFF2-40B4-BE49-F238E27FC236}">
+                <a16:creationId xmlns:a16="http://schemas.microsoft.com/office/drawing/2014/main" id="{A2D97CE5-569F-4414-9889-23BEA18D38BA}"/>
+              </a:ext>
+            </a:extLst>
+          </p:cNvPr>
+          <p:cNvSpPr txBox="1"/>
+          <p:nvPr/>
+        </p:nvSpPr>
+        <p:spPr>
+          <a:xfrm>
+            <a:off x="7870532" y="3942217"/>
+            <a:ext cx="343364" cy="369332"/>
+          </a:xfrm>
+          <a:prstGeom prst="rect">
+            <a:avLst/>
+          </a:prstGeom>
+          <a:noFill/>
+        </p:spPr>
+        <p:txBody>
+          <a:bodyPr wrap="none" rtlCol="0">
+            <a:spAutoFit/>
+          </a:bodyPr>
+          <a:lstStyle/>
+          <a:p>
+            <a:r>
+              <a:rPr lang="en-US" dirty="0"/>
+              <a:t>…</a:t>
+            </a:r>
+          </a:p>
+        </p:txBody>
+      </p:sp>
+      <p:sp>
+        <p:nvSpPr>
+          <p:cNvPr id="39" name="TextBox 38">
+            <a:extLst>
+              <a:ext uri="{FF2B5EF4-FFF2-40B4-BE49-F238E27FC236}">
+                <a16:creationId xmlns:a16="http://schemas.microsoft.com/office/drawing/2014/main" id="{F5C539B8-7130-49BF-9539-693A731FABBC}"/>
+              </a:ext>
+            </a:extLst>
+          </p:cNvPr>
+          <p:cNvSpPr txBox="1"/>
+          <p:nvPr/>
+        </p:nvSpPr>
+        <p:spPr>
+          <a:xfrm>
+            <a:off x="7847672" y="4283919"/>
+            <a:ext cx="343364" cy="369332"/>
+          </a:xfrm>
+          <a:prstGeom prst="rect">
+            <a:avLst/>
+          </a:prstGeom>
+          <a:noFill/>
+        </p:spPr>
+        <p:txBody>
+          <a:bodyPr wrap="none" rtlCol="0">
+            <a:spAutoFit/>
+          </a:bodyPr>
+          <a:lstStyle/>
+          <a:p>
+            <a:r>
+              <a:rPr lang="en-US" dirty="0"/>
+              <a:t>…</a:t>
+            </a:r>
+          </a:p>
+        </p:txBody>
+      </p:sp>
+      <p:sp>
+        <p:nvSpPr>
+          <p:cNvPr id="40" name="TextBox 39">
+            <a:extLst>
+              <a:ext uri="{FF2B5EF4-FFF2-40B4-BE49-F238E27FC236}">
+                <a16:creationId xmlns:a16="http://schemas.microsoft.com/office/drawing/2014/main" id="{547D4343-204B-4CDE-9896-FA786292E21E}"/>
+              </a:ext>
+            </a:extLst>
+          </p:cNvPr>
+          <p:cNvSpPr txBox="1"/>
+          <p:nvPr/>
+        </p:nvSpPr>
+        <p:spPr>
+          <a:xfrm>
+            <a:off x="5258811" y="2128134"/>
+            <a:ext cx="1994713" cy="646331"/>
+          </a:xfrm>
+          <a:prstGeom prst="rect">
+            <a:avLst/>
+          </a:prstGeom>
+          <a:noFill/>
+        </p:spPr>
+        <p:txBody>
+          <a:bodyPr wrap="none" rtlCol="0">
+            <a:spAutoFit/>
+          </a:bodyPr>
+          <a:lstStyle/>
+          <a:p>
+            <a:r>
+              <a:rPr lang="en-US" dirty="0"/>
+              <a:t>Member data table</a:t>
+            </a:r>
+          </a:p>
+          <a:p>
+            <a:r>
+              <a:rPr lang="en-US" dirty="0"/>
+              <a:t>(holds actual data)</a:t>
+            </a:r>
+          </a:p>
+        </p:txBody>
+      </p:sp>
+      <p:sp>
+        <p:nvSpPr>
+          <p:cNvPr id="41" name="TextBox 40">
+            <a:extLst>
+              <a:ext uri="{FF2B5EF4-FFF2-40B4-BE49-F238E27FC236}">
+                <a16:creationId xmlns:a16="http://schemas.microsoft.com/office/drawing/2014/main" id="{0762FA52-554A-471D-B343-3229598ED276}"/>
+              </a:ext>
+            </a:extLst>
+          </p:cNvPr>
+          <p:cNvSpPr txBox="1"/>
+          <p:nvPr/>
+        </p:nvSpPr>
+        <p:spPr>
+          <a:xfrm>
+            <a:off x="5124475" y="4772143"/>
+            <a:ext cx="2387577" cy="646331"/>
+          </a:xfrm>
+          <a:prstGeom prst="rect">
+            <a:avLst/>
+          </a:prstGeom>
+          <a:noFill/>
+        </p:spPr>
+        <p:txBody>
+          <a:bodyPr wrap="none" rtlCol="0">
+            <a:spAutoFit/>
+          </a:bodyPr>
+          <a:lstStyle/>
+          <a:p>
+            <a:r>
+              <a:rPr lang="en-US" dirty="0"/>
+              <a:t>Function member table</a:t>
+            </a:r>
+          </a:p>
+          <a:p>
+            <a:r>
+              <a:rPr lang="en-US" dirty="0"/>
+              <a:t>(holds addresses)</a:t>
+            </a:r>
+          </a:p>
+        </p:txBody>
+      </p:sp>
+      <p:sp>
+        <p:nvSpPr>
+          <p:cNvPr id="42" name="TextBox 41">
+            <a:extLst>
+              <a:ext uri="{FF2B5EF4-FFF2-40B4-BE49-F238E27FC236}">
+                <a16:creationId xmlns:a16="http://schemas.microsoft.com/office/drawing/2014/main" id="{94FA147F-ED1A-48ED-8D38-239A8CF3E0BA}"/>
+              </a:ext>
+            </a:extLst>
+          </p:cNvPr>
+          <p:cNvSpPr txBox="1"/>
+          <p:nvPr/>
+        </p:nvSpPr>
+        <p:spPr>
+          <a:xfrm>
+            <a:off x="5470726" y="3062465"/>
+            <a:ext cx="988860" cy="369332"/>
+          </a:xfrm>
+          <a:prstGeom prst="rect">
+            <a:avLst/>
+          </a:prstGeom>
+          <a:noFill/>
+        </p:spPr>
+        <p:txBody>
+          <a:bodyPr wrap="none" rtlCol="0">
+            <a:spAutoFit/>
+          </a:bodyPr>
+          <a:lstStyle/>
+          <a:p>
+            <a:r>
+              <a:rPr lang="en-US" dirty="0"/>
+              <a:t>T x(void)</a:t>
+            </a:r>
+          </a:p>
+        </p:txBody>
+      </p:sp>
+      <p:sp>
+        <p:nvSpPr>
+          <p:cNvPr id="44" name="TextBox 43">
+            <a:extLst>
+              <a:ext uri="{FF2B5EF4-FFF2-40B4-BE49-F238E27FC236}">
+                <a16:creationId xmlns:a16="http://schemas.microsoft.com/office/drawing/2014/main" id="{65777C26-95BC-4B1A-955A-92E5D06F8138}"/>
+              </a:ext>
+            </a:extLst>
+          </p:cNvPr>
+          <p:cNvSpPr txBox="1"/>
+          <p:nvPr/>
+        </p:nvSpPr>
+        <p:spPr>
+          <a:xfrm>
+            <a:off x="5485313" y="3369256"/>
+            <a:ext cx="1145955" cy="369332"/>
+          </a:xfrm>
+          <a:prstGeom prst="rect">
+            <a:avLst/>
+          </a:prstGeom>
+          <a:noFill/>
+        </p:spPr>
+        <p:txBody>
+          <a:bodyPr wrap="none" rtlCol="0">
+            <a:spAutoFit/>
+          </a:bodyPr>
+          <a:lstStyle/>
+          <a:p>
+            <a:r>
+              <a:rPr lang="en-US" dirty="0"/>
+              <a:t>void x(T&amp;)</a:t>
+            </a:r>
+          </a:p>
+        </p:txBody>
+      </p:sp>
+      <p:sp>
+        <p:nvSpPr>
+          <p:cNvPr id="45" name="Oval 44">
+            <a:extLst>
+              <a:ext uri="{FF2B5EF4-FFF2-40B4-BE49-F238E27FC236}">
+                <a16:creationId xmlns:a16="http://schemas.microsoft.com/office/drawing/2014/main" id="{0F30BEA1-0F19-4488-A922-C7DEF8B32260}"/>
+              </a:ext>
+            </a:extLst>
+          </p:cNvPr>
+          <p:cNvSpPr/>
+          <p:nvPr/>
+        </p:nvSpPr>
+        <p:spPr>
+          <a:xfrm>
+            <a:off x="3820932" y="1551806"/>
+            <a:ext cx="45719" cy="45719"/>
+          </a:xfrm>
+          <a:prstGeom prst="ellipse">
+            <a:avLst/>
+          </a:prstGeom>
+        </p:spPr>
+        <p:style>
+          <a:lnRef idx="2">
+            <a:schemeClr val="accent1">
+              <a:shade val="50000"/>
+            </a:schemeClr>
+          </a:lnRef>
+          <a:fillRef idx="1">
+            <a:schemeClr val="accent1"/>
+          </a:fillRef>
+          <a:effectRef idx="0">
+            <a:schemeClr val="accent1"/>
+          </a:effectRef>
+          <a:fontRef idx="minor">
+            <a:schemeClr val="lt1"/>
+          </a:fontRef>
+        </p:style>
+        <p:txBody>
+          <a:bodyPr rtlCol="0" anchor="ctr"/>
+          <a:lstStyle/>
+          <a:p>
+            <a:pPr algn="ctr"/>
+            <a:endParaRPr lang="en-US"/>
+          </a:p>
+        </p:txBody>
+      </p:sp>
+      <p:sp>
+        <p:nvSpPr>
+          <p:cNvPr id="46" name="Oval 45">
+            <a:extLst>
+              <a:ext uri="{FF2B5EF4-FFF2-40B4-BE49-F238E27FC236}">
+                <a16:creationId xmlns:a16="http://schemas.microsoft.com/office/drawing/2014/main" id="{A1335F87-AB15-40D6-9859-20C8D0F3EB4A}"/>
+              </a:ext>
+            </a:extLst>
+          </p:cNvPr>
+          <p:cNvSpPr/>
+          <p:nvPr/>
+        </p:nvSpPr>
+        <p:spPr>
+          <a:xfrm>
+            <a:off x="3820931" y="2128134"/>
+            <a:ext cx="45719" cy="45719"/>
+          </a:xfrm>
+          <a:prstGeom prst="ellipse">
+            <a:avLst/>
+          </a:prstGeom>
+        </p:spPr>
+        <p:style>
+          <a:lnRef idx="2">
+            <a:schemeClr val="accent1">
+              <a:shade val="50000"/>
+            </a:schemeClr>
+          </a:lnRef>
+          <a:fillRef idx="1">
+            <a:schemeClr val="accent1"/>
+          </a:fillRef>
+          <a:effectRef idx="0">
+            <a:schemeClr val="accent1"/>
+          </a:effectRef>
+          <a:fontRef idx="minor">
+            <a:schemeClr val="lt1"/>
+          </a:fontRef>
+        </p:style>
+        <p:txBody>
+          <a:bodyPr rtlCol="0" anchor="ctr"/>
+          <a:lstStyle/>
+          <a:p>
+            <a:pPr algn="ctr"/>
+            <a:endParaRPr lang="en-US"/>
+          </a:p>
+        </p:txBody>
+      </p:sp>
+      <p:cxnSp>
+        <p:nvCxnSpPr>
+          <p:cNvPr id="48" name="Connector: Elbow 47">
+            <a:extLst>
+              <a:ext uri="{FF2B5EF4-FFF2-40B4-BE49-F238E27FC236}">
+                <a16:creationId xmlns:a16="http://schemas.microsoft.com/office/drawing/2014/main" id="{74030F23-9C33-4D64-B7D8-7F8E66860EA0}"/>
+              </a:ext>
+            </a:extLst>
+          </p:cNvPr>
+          <p:cNvCxnSpPr>
+            <a:stCxn id="45" idx="7"/>
+            <a:endCxn id="7" idx="1"/>
+          </p:cNvCxnSpPr>
+          <p:nvPr/>
+        </p:nvCxnSpPr>
+        <p:spPr>
+          <a:xfrm rot="5400000" flipH="1" flipV="1">
+            <a:off x="4494090" y="858503"/>
+            <a:ext cx="65864" cy="1334133"/>
+          </a:xfrm>
+          <a:prstGeom prst="bentConnector2">
+            <a:avLst/>
+          </a:prstGeom>
+          <a:ln>
+            <a:tailEnd type="triangle"/>
+          </a:ln>
+        </p:spPr>
+        <p:style>
+          <a:lnRef idx="1">
+            <a:schemeClr val="accent1"/>
+          </a:lnRef>
+          <a:fillRef idx="0">
+            <a:schemeClr val="accent1"/>
+          </a:fillRef>
+          <a:effectRef idx="0">
+            <a:schemeClr val="accent1"/>
+          </a:effectRef>
+          <a:fontRef idx="minor">
+            <a:schemeClr val="tx1"/>
+          </a:fontRef>
+        </p:style>
+      </p:cxnSp>
+      <p:cxnSp>
+        <p:nvCxnSpPr>
+          <p:cNvPr id="50" name="Connector: Elbow 49">
+            <a:extLst>
+              <a:ext uri="{FF2B5EF4-FFF2-40B4-BE49-F238E27FC236}">
+                <a16:creationId xmlns:a16="http://schemas.microsoft.com/office/drawing/2014/main" id="{9500A126-6B3F-471B-904A-0A4CF6A15E68}"/>
+              </a:ext>
+            </a:extLst>
+          </p:cNvPr>
+          <p:cNvCxnSpPr>
+            <a:stCxn id="46" idx="0"/>
+            <a:endCxn id="12" idx="1"/>
+          </p:cNvCxnSpPr>
+          <p:nvPr/>
+        </p:nvCxnSpPr>
+        <p:spPr>
+          <a:xfrm rot="16200000" flipH="1">
+            <a:off x="3637396" y="2334529"/>
+            <a:ext cx="1763088" cy="1350298"/>
+          </a:xfrm>
+          <a:prstGeom prst="bentConnector4">
+            <a:avLst>
+              <a:gd name="adj1" fmla="val 418"/>
+              <a:gd name="adj2" fmla="val 50846"/>
+            </a:avLst>
+          </a:prstGeom>
+          <a:ln>
+            <a:tailEnd type="triangle"/>
+          </a:ln>
+        </p:spPr>
+        <p:style>
+          <a:lnRef idx="1">
+            <a:schemeClr val="accent1"/>
+          </a:lnRef>
+          <a:fillRef idx="0">
+            <a:schemeClr val="accent1"/>
+          </a:fillRef>
+          <a:effectRef idx="0">
+            <a:schemeClr val="accent1"/>
+          </a:effectRef>
+          <a:fontRef idx="minor">
+            <a:schemeClr val="tx1"/>
+          </a:fontRef>
+        </p:style>
+      </p:cxnSp>
+      <p:sp>
+        <p:nvSpPr>
+          <p:cNvPr id="52" name="TextBox 51">
+            <a:extLst>
+              <a:ext uri="{FF2B5EF4-FFF2-40B4-BE49-F238E27FC236}">
+                <a16:creationId xmlns:a16="http://schemas.microsoft.com/office/drawing/2014/main" id="{DD309F0E-EA42-4D6C-8D8A-2937E0992EBF}"/>
+              </a:ext>
+            </a:extLst>
+          </p:cNvPr>
+          <p:cNvSpPr txBox="1"/>
+          <p:nvPr/>
+        </p:nvSpPr>
+        <p:spPr>
+          <a:xfrm>
+            <a:off x="2612673" y="2447063"/>
+            <a:ext cx="983218" cy="369332"/>
+          </a:xfrm>
+          <a:prstGeom prst="rect">
+            <a:avLst/>
+          </a:prstGeom>
+          <a:noFill/>
+        </p:spPr>
+        <p:txBody>
+          <a:bodyPr wrap="none" rtlCol="0">
+            <a:spAutoFit/>
+          </a:bodyPr>
+          <a:lstStyle/>
+          <a:p>
+            <a:r>
+              <a:rPr lang="en-US" dirty="0"/>
+              <a:t>Point </a:t>
+            </a:r>
+            <a:r>
+              <a:rPr lang="en-US" dirty="0" err="1"/>
+              <a:t>pt</a:t>
+            </a:r>
+            <a:r>
+              <a:rPr lang="en-US" dirty="0"/>
+              <a:t>;</a:t>
+            </a:r>
+          </a:p>
+        </p:txBody>
+      </p:sp>
+    </p:spTree>
+    <p:extLst>
+      <p:ext uri="{BB962C8B-B14F-4D97-AF65-F5344CB8AC3E}">
+        <p14:creationId xmlns:p14="http://schemas.microsoft.com/office/powerpoint/2010/main" val="1400360373"/>
+      </p:ext>
+    </p:extLst>
+  </p:cSld>
+  <p:clrMapOvr>
+    <a:masterClrMapping/>
+  </p:clrMapOvr>
+</p:sld>
+</file>
+
 <file path=ppt/theme/theme1.xml><?xml version="1.0" encoding="utf-8"?>
 <a:theme xmlns:a="http://schemas.openxmlformats.org/drawingml/2006/main" name="Office Theme">
   <a:themeElements>

--- a/object_lessons/object_lessons.pptx
+++ b/object_lessons/object_lessons.pptx
@@ -7,6 +7,7 @@
   <p:sldIdLst>
     <p:sldId id="256" r:id="rId2"/>
     <p:sldId id="257" r:id="rId3"/>
+    <p:sldId id="258" r:id="rId4"/>
   </p:sldIdLst>
   <p:sldSz cx="12192000" cy="6858000"/>
   <p:notesSz cx="6858000" cy="9144000"/>
@@ -6340,6 +6341,1325 @@
 </p:sld>
 </file>
 
+<file path=ppt/slides/slide3.xml><?xml version="1.0" encoding="utf-8"?>
+<p:sld xmlns:a="http://schemas.openxmlformats.org/drawingml/2006/main" xmlns:r="http://schemas.openxmlformats.org/officeDocument/2006/relationships" xmlns:p="http://schemas.openxmlformats.org/presentationml/2006/main">
+  <p:cSld>
+    <p:spTree>
+      <p:nvGrpSpPr>
+        <p:cNvPr id="1" name=""/>
+        <p:cNvGrpSpPr/>
+        <p:nvPr/>
+      </p:nvGrpSpPr>
+      <p:grpSpPr>
+        <a:xfrm>
+          <a:off x="0" y="0"/>
+          <a:ext cx="0" cy="0"/>
+          <a:chOff x="0" y="0"/>
+          <a:chExt cx="0" cy="0"/>
+        </a:xfrm>
+      </p:grpSpPr>
+      <p:sp>
+        <p:nvSpPr>
+          <p:cNvPr id="4" name="Rectangle 3">
+            <a:extLst>
+              <a:ext uri="{FF2B5EF4-FFF2-40B4-BE49-F238E27FC236}">
+                <a16:creationId xmlns:a16="http://schemas.microsoft.com/office/drawing/2014/main" id="{F77483A1-0C97-4BD6-922A-A032165C6E81}"/>
+              </a:ext>
+            </a:extLst>
+          </p:cNvPr>
+          <p:cNvSpPr/>
+          <p:nvPr/>
+        </p:nvSpPr>
+        <p:spPr>
+          <a:xfrm>
+            <a:off x="5194089" y="3086558"/>
+            <a:ext cx="2124159" cy="983201"/>
+          </a:xfrm>
+          <a:prstGeom prst="rect">
+            <a:avLst/>
+          </a:prstGeom>
+          <a:noFill/>
+        </p:spPr>
+        <p:style>
+          <a:lnRef idx="2">
+            <a:schemeClr val="accent1">
+              <a:shade val="50000"/>
+            </a:schemeClr>
+          </a:lnRef>
+          <a:fillRef idx="1">
+            <a:schemeClr val="accent1"/>
+          </a:fillRef>
+          <a:effectRef idx="0">
+            <a:schemeClr val="accent1"/>
+          </a:effectRef>
+          <a:fontRef idx="minor">
+            <a:schemeClr val="lt1"/>
+          </a:fontRef>
+        </p:style>
+        <p:txBody>
+          <a:bodyPr rtlCol="0" anchor="ctr"/>
+          <a:lstStyle/>
+          <a:p>
+            <a:pPr algn="ctr"/>
+            <a:endParaRPr lang="en-US"/>
+          </a:p>
+        </p:txBody>
+      </p:sp>
+      <p:cxnSp>
+        <p:nvCxnSpPr>
+          <p:cNvPr id="5" name="Straight Connector 4">
+            <a:extLst>
+              <a:ext uri="{FF2B5EF4-FFF2-40B4-BE49-F238E27FC236}">
+                <a16:creationId xmlns:a16="http://schemas.microsoft.com/office/drawing/2014/main" id="{5BA03C3A-E408-4460-BBD4-5278FFF5B01D}"/>
+              </a:ext>
+            </a:extLst>
+          </p:cNvPr>
+          <p:cNvCxnSpPr/>
+          <p:nvPr/>
+        </p:nvCxnSpPr>
+        <p:spPr>
+          <a:xfrm>
+            <a:off x="5194089" y="3402147"/>
+            <a:ext cx="2124159" cy="0"/>
+          </a:xfrm>
+          <a:prstGeom prst="line">
+            <a:avLst/>
+          </a:prstGeom>
+        </p:spPr>
+        <p:style>
+          <a:lnRef idx="1">
+            <a:schemeClr val="accent1"/>
+          </a:lnRef>
+          <a:fillRef idx="0">
+            <a:schemeClr val="accent1"/>
+          </a:fillRef>
+          <a:effectRef idx="0">
+            <a:schemeClr val="accent1"/>
+          </a:effectRef>
+          <a:fontRef idx="minor">
+            <a:schemeClr val="tx1"/>
+          </a:fontRef>
+        </p:style>
+      </p:cxnSp>
+      <p:cxnSp>
+        <p:nvCxnSpPr>
+          <p:cNvPr id="6" name="Straight Connector 5">
+            <a:extLst>
+              <a:ext uri="{FF2B5EF4-FFF2-40B4-BE49-F238E27FC236}">
+                <a16:creationId xmlns:a16="http://schemas.microsoft.com/office/drawing/2014/main" id="{9B478B48-1B59-4A49-A80C-401B538EA3FC}"/>
+              </a:ext>
+            </a:extLst>
+          </p:cNvPr>
+          <p:cNvCxnSpPr/>
+          <p:nvPr/>
+        </p:nvCxnSpPr>
+        <p:spPr>
+          <a:xfrm>
+            <a:off x="5194089" y="3708295"/>
+            <a:ext cx="2124159" cy="0"/>
+          </a:xfrm>
+          <a:prstGeom prst="line">
+            <a:avLst/>
+          </a:prstGeom>
+        </p:spPr>
+        <p:style>
+          <a:lnRef idx="1">
+            <a:schemeClr val="accent1"/>
+          </a:lnRef>
+          <a:fillRef idx="0">
+            <a:schemeClr val="accent1"/>
+          </a:fillRef>
+          <a:effectRef idx="0">
+            <a:schemeClr val="accent1"/>
+          </a:effectRef>
+          <a:fontRef idx="minor">
+            <a:schemeClr val="tx1"/>
+          </a:fontRef>
+        </p:style>
+      </p:cxnSp>
+      <p:sp>
+        <p:nvSpPr>
+          <p:cNvPr id="9" name="Oval 8">
+            <a:extLst>
+              <a:ext uri="{FF2B5EF4-FFF2-40B4-BE49-F238E27FC236}">
+                <a16:creationId xmlns:a16="http://schemas.microsoft.com/office/drawing/2014/main" id="{F3576288-0B76-4B5E-9DB5-3E3B801FCED1}"/>
+              </a:ext>
+            </a:extLst>
+          </p:cNvPr>
+          <p:cNvSpPr/>
+          <p:nvPr/>
+        </p:nvSpPr>
+        <p:spPr>
+          <a:xfrm>
+            <a:off x="7107856" y="3233700"/>
+            <a:ext cx="45719" cy="45719"/>
+          </a:xfrm>
+          <a:prstGeom prst="ellipse">
+            <a:avLst/>
+          </a:prstGeom>
+        </p:spPr>
+        <p:style>
+          <a:lnRef idx="2">
+            <a:schemeClr val="accent1">
+              <a:shade val="50000"/>
+            </a:schemeClr>
+          </a:lnRef>
+          <a:fillRef idx="1">
+            <a:schemeClr val="accent1"/>
+          </a:fillRef>
+          <a:effectRef idx="0">
+            <a:schemeClr val="accent1"/>
+          </a:effectRef>
+          <a:fontRef idx="minor">
+            <a:schemeClr val="lt1"/>
+          </a:fontRef>
+        </p:style>
+        <p:txBody>
+          <a:bodyPr rtlCol="0" anchor="ctr"/>
+          <a:lstStyle/>
+          <a:p>
+            <a:pPr algn="ctr"/>
+            <a:endParaRPr lang="en-US"/>
+          </a:p>
+        </p:txBody>
+      </p:sp>
+      <p:sp>
+        <p:nvSpPr>
+          <p:cNvPr id="10" name="Oval 9">
+            <a:extLst>
+              <a:ext uri="{FF2B5EF4-FFF2-40B4-BE49-F238E27FC236}">
+                <a16:creationId xmlns:a16="http://schemas.microsoft.com/office/drawing/2014/main" id="{4CB9A8E2-113B-48EB-98B5-165B7ADA7834}"/>
+              </a:ext>
+            </a:extLst>
+          </p:cNvPr>
+          <p:cNvSpPr/>
+          <p:nvPr/>
+        </p:nvSpPr>
+        <p:spPr>
+          <a:xfrm>
+            <a:off x="7107855" y="3539847"/>
+            <a:ext cx="45719" cy="45719"/>
+          </a:xfrm>
+          <a:prstGeom prst="ellipse">
+            <a:avLst/>
+          </a:prstGeom>
+        </p:spPr>
+        <p:style>
+          <a:lnRef idx="2">
+            <a:schemeClr val="accent1">
+              <a:shade val="50000"/>
+            </a:schemeClr>
+          </a:lnRef>
+          <a:fillRef idx="1">
+            <a:schemeClr val="accent1"/>
+          </a:fillRef>
+          <a:effectRef idx="0">
+            <a:schemeClr val="accent1"/>
+          </a:effectRef>
+          <a:fontRef idx="minor">
+            <a:schemeClr val="lt1"/>
+          </a:fontRef>
+        </p:style>
+        <p:txBody>
+          <a:bodyPr rtlCol="0" anchor="ctr"/>
+          <a:lstStyle/>
+          <a:p>
+            <a:pPr algn="ctr"/>
+            <a:endParaRPr lang="en-US"/>
+          </a:p>
+        </p:txBody>
+      </p:sp>
+      <p:sp>
+        <p:nvSpPr>
+          <p:cNvPr id="11" name="Oval 10">
+            <a:extLst>
+              <a:ext uri="{FF2B5EF4-FFF2-40B4-BE49-F238E27FC236}">
+                <a16:creationId xmlns:a16="http://schemas.microsoft.com/office/drawing/2014/main" id="{BCF5981B-C119-45DF-9E2F-6C0B570474F3}"/>
+              </a:ext>
+            </a:extLst>
+          </p:cNvPr>
+          <p:cNvSpPr/>
+          <p:nvPr/>
+        </p:nvSpPr>
+        <p:spPr>
+          <a:xfrm>
+            <a:off x="7107855" y="3845994"/>
+            <a:ext cx="45719" cy="45719"/>
+          </a:xfrm>
+          <a:prstGeom prst="ellipse">
+            <a:avLst/>
+          </a:prstGeom>
+        </p:spPr>
+        <p:style>
+          <a:lnRef idx="2">
+            <a:schemeClr val="accent1">
+              <a:shade val="50000"/>
+            </a:schemeClr>
+          </a:lnRef>
+          <a:fillRef idx="1">
+            <a:schemeClr val="accent1"/>
+          </a:fillRef>
+          <a:effectRef idx="0">
+            <a:schemeClr val="accent1"/>
+          </a:effectRef>
+          <a:fontRef idx="minor">
+            <a:schemeClr val="lt1"/>
+          </a:fontRef>
+        </p:style>
+        <p:txBody>
+          <a:bodyPr rtlCol="0" anchor="ctr"/>
+          <a:lstStyle/>
+          <a:p>
+            <a:pPr algn="ctr"/>
+            <a:endParaRPr lang="en-US"/>
+          </a:p>
+        </p:txBody>
+      </p:sp>
+      <p:sp>
+        <p:nvSpPr>
+          <p:cNvPr id="24" name="TextBox 23">
+            <a:extLst>
+              <a:ext uri="{FF2B5EF4-FFF2-40B4-BE49-F238E27FC236}">
+                <a16:creationId xmlns:a16="http://schemas.microsoft.com/office/drawing/2014/main" id="{6273411B-3393-410B-B733-07CDB2A579D7}"/>
+              </a:ext>
+            </a:extLst>
+          </p:cNvPr>
+          <p:cNvSpPr txBox="1"/>
+          <p:nvPr/>
+        </p:nvSpPr>
+        <p:spPr>
+          <a:xfrm>
+            <a:off x="5120210" y="4158274"/>
+            <a:ext cx="2198038" cy="369332"/>
+          </a:xfrm>
+          <a:prstGeom prst="rect">
+            <a:avLst/>
+          </a:prstGeom>
+          <a:noFill/>
+        </p:spPr>
+        <p:txBody>
+          <a:bodyPr wrap="none" rtlCol="0">
+            <a:spAutoFit/>
+          </a:bodyPr>
+          <a:lstStyle/>
+          <a:p>
+            <a:r>
+              <a:rPr lang="en-US" dirty="0"/>
+              <a:t>Virtual table for Point</a:t>
+            </a:r>
+          </a:p>
+        </p:txBody>
+      </p:sp>
+      <p:sp>
+        <p:nvSpPr>
+          <p:cNvPr id="27" name="Rectangle 26">
+            <a:extLst>
+              <a:ext uri="{FF2B5EF4-FFF2-40B4-BE49-F238E27FC236}">
+                <a16:creationId xmlns:a16="http://schemas.microsoft.com/office/drawing/2014/main" id="{5788C3D7-E4A0-4463-A337-A639F0A77383}"/>
+              </a:ext>
+            </a:extLst>
+          </p:cNvPr>
+          <p:cNvSpPr/>
+          <p:nvPr/>
+        </p:nvSpPr>
+        <p:spPr>
+          <a:xfrm>
+            <a:off x="8029022" y="1923190"/>
+            <a:ext cx="1439443" cy="814111"/>
+          </a:xfrm>
+          <a:prstGeom prst="rect">
+            <a:avLst/>
+          </a:prstGeom>
+          <a:noFill/>
+        </p:spPr>
+        <p:style>
+          <a:lnRef idx="2">
+            <a:schemeClr val="accent1">
+              <a:shade val="50000"/>
+            </a:schemeClr>
+          </a:lnRef>
+          <a:fillRef idx="1">
+            <a:schemeClr val="accent1"/>
+          </a:fillRef>
+          <a:effectRef idx="0">
+            <a:schemeClr val="accent1"/>
+          </a:effectRef>
+          <a:fontRef idx="minor">
+            <a:schemeClr val="lt1"/>
+          </a:fontRef>
+        </p:style>
+        <p:txBody>
+          <a:bodyPr rtlCol="0" anchor="ctr"/>
+          <a:lstStyle/>
+          <a:p>
+            <a:pPr algn="ctr"/>
+            <a:endParaRPr lang="en-US"/>
+          </a:p>
+        </p:txBody>
+      </p:sp>
+      <p:sp>
+        <p:nvSpPr>
+          <p:cNvPr id="28" name="TextBox 27">
+            <a:extLst>
+              <a:ext uri="{FF2B5EF4-FFF2-40B4-BE49-F238E27FC236}">
+                <a16:creationId xmlns:a16="http://schemas.microsoft.com/office/drawing/2014/main" id="{F8F8488E-4E34-42B2-B8DB-6D3AECE6BB8C}"/>
+              </a:ext>
+            </a:extLst>
+          </p:cNvPr>
+          <p:cNvSpPr txBox="1"/>
+          <p:nvPr/>
+        </p:nvSpPr>
+        <p:spPr>
+          <a:xfrm>
+            <a:off x="7940532" y="2737301"/>
+            <a:ext cx="1875642" cy="369332"/>
+          </a:xfrm>
+          <a:prstGeom prst="rect">
+            <a:avLst/>
+          </a:prstGeom>
+          <a:noFill/>
+        </p:spPr>
+        <p:txBody>
+          <a:bodyPr wrap="none" rtlCol="0">
+            <a:spAutoFit/>
+          </a:bodyPr>
+          <a:lstStyle/>
+          <a:p>
+            <a:r>
+              <a:rPr lang="en-US" dirty="0"/>
+              <a:t>type info for Point</a:t>
+            </a:r>
+          </a:p>
+        </p:txBody>
+      </p:sp>
+      <p:cxnSp>
+        <p:nvCxnSpPr>
+          <p:cNvPr id="30" name="Connector: Elbow 29">
+            <a:extLst>
+              <a:ext uri="{FF2B5EF4-FFF2-40B4-BE49-F238E27FC236}">
+                <a16:creationId xmlns:a16="http://schemas.microsoft.com/office/drawing/2014/main" id="{0478C161-6178-4659-B13A-FA464371CF01}"/>
+              </a:ext>
+            </a:extLst>
+          </p:cNvPr>
+          <p:cNvCxnSpPr>
+            <a:cxnSpLocks/>
+            <a:stCxn id="9" idx="6"/>
+            <a:endCxn id="27" idx="1"/>
+          </p:cNvCxnSpPr>
+          <p:nvPr/>
+        </p:nvCxnSpPr>
+        <p:spPr>
+          <a:xfrm flipV="1">
+            <a:off x="7153575" y="2330246"/>
+            <a:ext cx="875447" cy="926314"/>
+          </a:xfrm>
+          <a:prstGeom prst="bentConnector3">
+            <a:avLst>
+              <a:gd name="adj1" fmla="val 50000"/>
+            </a:avLst>
+          </a:prstGeom>
+          <a:ln>
+            <a:tailEnd type="triangle"/>
+          </a:ln>
+        </p:spPr>
+        <p:style>
+          <a:lnRef idx="1">
+            <a:schemeClr val="accent1"/>
+          </a:lnRef>
+          <a:fillRef idx="0">
+            <a:schemeClr val="accent1"/>
+          </a:fillRef>
+          <a:effectRef idx="0">
+            <a:schemeClr val="accent1"/>
+          </a:effectRef>
+          <a:fontRef idx="minor">
+            <a:schemeClr val="tx1"/>
+          </a:fontRef>
+        </p:style>
+      </p:cxnSp>
+      <p:sp>
+        <p:nvSpPr>
+          <p:cNvPr id="33" name="Rectangle 32">
+            <a:extLst>
+              <a:ext uri="{FF2B5EF4-FFF2-40B4-BE49-F238E27FC236}">
+                <a16:creationId xmlns:a16="http://schemas.microsoft.com/office/drawing/2014/main" id="{14D4831C-2D9A-4D79-A63D-39112BB32613}"/>
+              </a:ext>
+            </a:extLst>
+          </p:cNvPr>
+          <p:cNvSpPr/>
+          <p:nvPr/>
+        </p:nvSpPr>
+        <p:spPr>
+          <a:xfrm>
+            <a:off x="8093915" y="3492418"/>
+            <a:ext cx="1722259" cy="518324"/>
+          </a:xfrm>
+          <a:prstGeom prst="rect">
+            <a:avLst/>
+          </a:prstGeom>
+          <a:noFill/>
+        </p:spPr>
+        <p:style>
+          <a:lnRef idx="2">
+            <a:schemeClr val="accent1">
+              <a:shade val="50000"/>
+            </a:schemeClr>
+          </a:lnRef>
+          <a:fillRef idx="1">
+            <a:schemeClr val="accent1"/>
+          </a:fillRef>
+          <a:effectRef idx="0">
+            <a:schemeClr val="accent1"/>
+          </a:effectRef>
+          <a:fontRef idx="minor">
+            <a:schemeClr val="lt1"/>
+          </a:fontRef>
+        </p:style>
+        <p:txBody>
+          <a:bodyPr rtlCol="0" anchor="ctr"/>
+          <a:lstStyle/>
+          <a:p>
+            <a:pPr algn="ctr"/>
+            <a:endParaRPr lang="en-US"/>
+          </a:p>
+        </p:txBody>
+      </p:sp>
+      <p:sp>
+        <p:nvSpPr>
+          <p:cNvPr id="34" name="TextBox 33">
+            <a:extLst>
+              <a:ext uri="{FF2B5EF4-FFF2-40B4-BE49-F238E27FC236}">
+                <a16:creationId xmlns:a16="http://schemas.microsoft.com/office/drawing/2014/main" id="{ECD309F5-74E4-4762-858A-3B96C78714AA}"/>
+              </a:ext>
+            </a:extLst>
+          </p:cNvPr>
+          <p:cNvSpPr txBox="1"/>
+          <p:nvPr/>
+        </p:nvSpPr>
+        <p:spPr>
+          <a:xfrm>
+            <a:off x="8178529" y="3551412"/>
+            <a:ext cx="1536959" cy="369332"/>
+          </a:xfrm>
+          <a:prstGeom prst="rect">
+            <a:avLst/>
+          </a:prstGeom>
+          <a:noFill/>
+        </p:spPr>
+        <p:txBody>
+          <a:bodyPr wrap="none" rtlCol="0">
+            <a:spAutoFit/>
+          </a:bodyPr>
+          <a:lstStyle/>
+          <a:p>
+            <a:r>
+              <a:rPr lang="en-US" dirty="0"/>
+              <a:t>Point::~Point()</a:t>
+            </a:r>
+          </a:p>
+        </p:txBody>
+      </p:sp>
+      <p:cxnSp>
+        <p:nvCxnSpPr>
+          <p:cNvPr id="37" name="Connector: Elbow 36">
+            <a:extLst>
+              <a:ext uri="{FF2B5EF4-FFF2-40B4-BE49-F238E27FC236}">
+                <a16:creationId xmlns:a16="http://schemas.microsoft.com/office/drawing/2014/main" id="{8850AACD-36BA-411F-A02A-CFE780C7A0C2}"/>
+              </a:ext>
+            </a:extLst>
+          </p:cNvPr>
+          <p:cNvCxnSpPr>
+            <a:stCxn id="10" idx="7"/>
+            <a:endCxn id="33" idx="1"/>
+          </p:cNvCxnSpPr>
+          <p:nvPr/>
+        </p:nvCxnSpPr>
+        <p:spPr>
+          <a:xfrm rot="16200000" flipH="1">
+            <a:off x="7517878" y="3175543"/>
+            <a:ext cx="205038" cy="947036"/>
+          </a:xfrm>
+          <a:prstGeom prst="bentConnector4">
+            <a:avLst>
+              <a:gd name="adj1" fmla="val 6473"/>
+              <a:gd name="adj2" fmla="val 50353"/>
+            </a:avLst>
+          </a:prstGeom>
+          <a:ln>
+            <a:tailEnd type="triangle"/>
+          </a:ln>
+        </p:spPr>
+        <p:style>
+          <a:lnRef idx="1">
+            <a:schemeClr val="accent1"/>
+          </a:lnRef>
+          <a:fillRef idx="0">
+            <a:schemeClr val="accent1"/>
+          </a:fillRef>
+          <a:effectRef idx="0">
+            <a:schemeClr val="accent1"/>
+          </a:effectRef>
+          <a:fontRef idx="minor">
+            <a:schemeClr val="tx1"/>
+          </a:fontRef>
+        </p:style>
+      </p:cxnSp>
+      <p:sp>
+        <p:nvSpPr>
+          <p:cNvPr id="39" name="Rectangle 38">
+            <a:extLst>
+              <a:ext uri="{FF2B5EF4-FFF2-40B4-BE49-F238E27FC236}">
+                <a16:creationId xmlns:a16="http://schemas.microsoft.com/office/drawing/2014/main" id="{D2025749-62C0-4679-98FE-8EEDF34B95C0}"/>
+              </a:ext>
+            </a:extLst>
+          </p:cNvPr>
+          <p:cNvSpPr/>
+          <p:nvPr/>
+        </p:nvSpPr>
+        <p:spPr>
+          <a:xfrm>
+            <a:off x="8111966" y="4338826"/>
+            <a:ext cx="2572119" cy="463248"/>
+          </a:xfrm>
+          <a:prstGeom prst="rect">
+            <a:avLst/>
+          </a:prstGeom>
+          <a:noFill/>
+        </p:spPr>
+        <p:style>
+          <a:lnRef idx="2">
+            <a:schemeClr val="accent1">
+              <a:shade val="50000"/>
+            </a:schemeClr>
+          </a:lnRef>
+          <a:fillRef idx="1">
+            <a:schemeClr val="accent1"/>
+          </a:fillRef>
+          <a:effectRef idx="0">
+            <a:schemeClr val="accent1"/>
+          </a:effectRef>
+          <a:fontRef idx="minor">
+            <a:schemeClr val="lt1"/>
+          </a:fontRef>
+        </p:style>
+        <p:txBody>
+          <a:bodyPr rtlCol="0" anchor="ctr"/>
+          <a:lstStyle/>
+          <a:p>
+            <a:pPr algn="ctr"/>
+            <a:endParaRPr lang="en-US"/>
+          </a:p>
+        </p:txBody>
+      </p:sp>
+      <p:sp>
+        <p:nvSpPr>
+          <p:cNvPr id="40" name="TextBox 39">
+            <a:extLst>
+              <a:ext uri="{FF2B5EF4-FFF2-40B4-BE49-F238E27FC236}">
+                <a16:creationId xmlns:a16="http://schemas.microsoft.com/office/drawing/2014/main" id="{F1926754-7187-4971-96E9-FE9A4B97BF6A}"/>
+              </a:ext>
+            </a:extLst>
+          </p:cNvPr>
+          <p:cNvSpPr txBox="1"/>
+          <p:nvPr/>
+        </p:nvSpPr>
+        <p:spPr>
+          <a:xfrm>
+            <a:off x="8176859" y="4385784"/>
+            <a:ext cx="2371162" cy="369332"/>
+          </a:xfrm>
+          <a:prstGeom prst="rect">
+            <a:avLst/>
+          </a:prstGeom>
+          <a:noFill/>
+        </p:spPr>
+        <p:txBody>
+          <a:bodyPr wrap="none" rtlCol="0">
+            <a:spAutoFit/>
+          </a:bodyPr>
+          <a:lstStyle/>
+          <a:p>
+            <a:r>
+              <a:rPr lang="en-US" dirty="0"/>
+              <a:t>Point::print(</a:t>
+            </a:r>
+            <a:r>
+              <a:rPr lang="en-US" dirty="0" err="1"/>
+              <a:t>ostream</a:t>
+            </a:r>
+            <a:r>
+              <a:rPr lang="en-US" dirty="0"/>
+              <a:t> &amp;)</a:t>
+            </a:r>
+          </a:p>
+        </p:txBody>
+      </p:sp>
+      <p:sp>
+        <p:nvSpPr>
+          <p:cNvPr id="41" name="Rectangle 40">
+            <a:extLst>
+              <a:ext uri="{FF2B5EF4-FFF2-40B4-BE49-F238E27FC236}">
+                <a16:creationId xmlns:a16="http://schemas.microsoft.com/office/drawing/2014/main" id="{206B9496-AFCA-4B06-9DE3-FA5CF4727084}"/>
+              </a:ext>
+            </a:extLst>
+          </p:cNvPr>
+          <p:cNvSpPr/>
+          <p:nvPr/>
+        </p:nvSpPr>
+        <p:spPr>
+          <a:xfrm>
+            <a:off x="8111967" y="5079345"/>
+            <a:ext cx="2070320" cy="463248"/>
+          </a:xfrm>
+          <a:prstGeom prst="rect">
+            <a:avLst/>
+          </a:prstGeom>
+          <a:noFill/>
+        </p:spPr>
+        <p:style>
+          <a:lnRef idx="2">
+            <a:schemeClr val="accent1">
+              <a:shade val="50000"/>
+            </a:schemeClr>
+          </a:lnRef>
+          <a:fillRef idx="1">
+            <a:schemeClr val="accent1"/>
+          </a:fillRef>
+          <a:effectRef idx="0">
+            <a:schemeClr val="accent1"/>
+          </a:effectRef>
+          <a:fontRef idx="minor">
+            <a:schemeClr val="lt1"/>
+          </a:fontRef>
+        </p:style>
+        <p:txBody>
+          <a:bodyPr rtlCol="0" anchor="ctr"/>
+          <a:lstStyle/>
+          <a:p>
+            <a:pPr algn="ctr"/>
+            <a:endParaRPr lang="en-US"/>
+          </a:p>
+        </p:txBody>
+      </p:sp>
+      <p:sp>
+        <p:nvSpPr>
+          <p:cNvPr id="42" name="TextBox 41">
+            <a:extLst>
+              <a:ext uri="{FF2B5EF4-FFF2-40B4-BE49-F238E27FC236}">
+                <a16:creationId xmlns:a16="http://schemas.microsoft.com/office/drawing/2014/main" id="{A25CACFD-7AE3-4726-B2FF-8B89214BCBD0}"/>
+              </a:ext>
+            </a:extLst>
+          </p:cNvPr>
+          <p:cNvSpPr txBox="1"/>
+          <p:nvPr/>
+        </p:nvSpPr>
+        <p:spPr>
+          <a:xfrm>
+            <a:off x="8202127" y="5130158"/>
+            <a:ext cx="1852238" cy="369332"/>
+          </a:xfrm>
+          <a:prstGeom prst="rect">
+            <a:avLst/>
+          </a:prstGeom>
+          <a:noFill/>
+        </p:spPr>
+        <p:txBody>
+          <a:bodyPr wrap="none" rtlCol="0">
+            <a:spAutoFit/>
+          </a:bodyPr>
+          <a:lstStyle/>
+          <a:p>
+            <a:r>
+              <a:rPr lang="en-US" dirty="0"/>
+              <a:t>Point::Point(float)</a:t>
+            </a:r>
+          </a:p>
+        </p:txBody>
+      </p:sp>
+      <p:sp>
+        <p:nvSpPr>
+          <p:cNvPr id="43" name="Rectangle 42">
+            <a:extLst>
+              <a:ext uri="{FF2B5EF4-FFF2-40B4-BE49-F238E27FC236}">
+                <a16:creationId xmlns:a16="http://schemas.microsoft.com/office/drawing/2014/main" id="{E0ED2738-0160-4F79-9F58-7B46DADCBCE8}"/>
+              </a:ext>
+            </a:extLst>
+          </p:cNvPr>
+          <p:cNvSpPr/>
+          <p:nvPr/>
+        </p:nvSpPr>
+        <p:spPr>
+          <a:xfrm>
+            <a:off x="8111967" y="5733190"/>
+            <a:ext cx="2070320" cy="463248"/>
+          </a:xfrm>
+          <a:prstGeom prst="rect">
+            <a:avLst/>
+          </a:prstGeom>
+          <a:noFill/>
+        </p:spPr>
+        <p:style>
+          <a:lnRef idx="2">
+            <a:schemeClr val="accent1">
+              <a:shade val="50000"/>
+            </a:schemeClr>
+          </a:lnRef>
+          <a:fillRef idx="1">
+            <a:schemeClr val="accent1"/>
+          </a:fillRef>
+          <a:effectRef idx="0">
+            <a:schemeClr val="accent1"/>
+          </a:effectRef>
+          <a:fontRef idx="minor">
+            <a:schemeClr val="lt1"/>
+          </a:fontRef>
+        </p:style>
+        <p:txBody>
+          <a:bodyPr rtlCol="0" anchor="ctr"/>
+          <a:lstStyle/>
+          <a:p>
+            <a:pPr algn="ctr"/>
+            <a:endParaRPr lang="en-US"/>
+          </a:p>
+        </p:txBody>
+      </p:sp>
+      <p:sp>
+        <p:nvSpPr>
+          <p:cNvPr id="44" name="TextBox 43">
+            <a:extLst>
+              <a:ext uri="{FF2B5EF4-FFF2-40B4-BE49-F238E27FC236}">
+                <a16:creationId xmlns:a16="http://schemas.microsoft.com/office/drawing/2014/main" id="{1721B3D0-B484-4D10-8175-B14058B35C81}"/>
+              </a:ext>
+            </a:extLst>
+          </p:cNvPr>
+          <p:cNvSpPr txBox="1"/>
+          <p:nvPr/>
+        </p:nvSpPr>
+        <p:spPr>
+          <a:xfrm>
+            <a:off x="8264996" y="5780148"/>
+            <a:ext cx="1519134" cy="369332"/>
+          </a:xfrm>
+          <a:prstGeom prst="rect">
+            <a:avLst/>
+          </a:prstGeom>
+          <a:noFill/>
+        </p:spPr>
+        <p:txBody>
+          <a:bodyPr wrap="none" rtlCol="0">
+            <a:spAutoFit/>
+          </a:bodyPr>
+          <a:lstStyle/>
+          <a:p>
+            <a:r>
+              <a:rPr lang="en-US" dirty="0"/>
+              <a:t>float Point::x()</a:t>
+            </a:r>
+          </a:p>
+        </p:txBody>
+      </p:sp>
+      <p:sp>
+        <p:nvSpPr>
+          <p:cNvPr id="45" name="Rectangle 44">
+            <a:extLst>
+              <a:ext uri="{FF2B5EF4-FFF2-40B4-BE49-F238E27FC236}">
+                <a16:creationId xmlns:a16="http://schemas.microsoft.com/office/drawing/2014/main" id="{62717314-ECC8-494C-910C-B14BC146D673}"/>
+              </a:ext>
+            </a:extLst>
+          </p:cNvPr>
+          <p:cNvSpPr/>
+          <p:nvPr/>
+        </p:nvSpPr>
+        <p:spPr>
+          <a:xfrm>
+            <a:off x="5511861" y="5077428"/>
+            <a:ext cx="2070320" cy="653845"/>
+          </a:xfrm>
+          <a:prstGeom prst="rect">
+            <a:avLst/>
+          </a:prstGeom>
+          <a:noFill/>
+        </p:spPr>
+        <p:style>
+          <a:lnRef idx="2">
+            <a:schemeClr val="accent1">
+              <a:shade val="50000"/>
+            </a:schemeClr>
+          </a:lnRef>
+          <a:fillRef idx="1">
+            <a:schemeClr val="accent1"/>
+          </a:fillRef>
+          <a:effectRef idx="0">
+            <a:schemeClr val="accent1"/>
+          </a:effectRef>
+          <a:fontRef idx="minor">
+            <a:schemeClr val="lt1"/>
+          </a:fontRef>
+        </p:style>
+        <p:txBody>
+          <a:bodyPr rtlCol="0" anchor="ctr"/>
+          <a:lstStyle/>
+          <a:p>
+            <a:pPr algn="ctr"/>
+            <a:endParaRPr lang="en-US"/>
+          </a:p>
+        </p:txBody>
+      </p:sp>
+      <p:sp>
+        <p:nvSpPr>
+          <p:cNvPr id="46" name="TextBox 45">
+            <a:extLst>
+              <a:ext uri="{FF2B5EF4-FFF2-40B4-BE49-F238E27FC236}">
+                <a16:creationId xmlns:a16="http://schemas.microsoft.com/office/drawing/2014/main" id="{F1FF6766-4F6A-437B-9734-A123AB5F99DB}"/>
+              </a:ext>
+            </a:extLst>
+          </p:cNvPr>
+          <p:cNvSpPr txBox="1"/>
+          <p:nvPr/>
+        </p:nvSpPr>
+        <p:spPr>
+          <a:xfrm>
+            <a:off x="5554377" y="5081184"/>
+            <a:ext cx="1985287" cy="646331"/>
+          </a:xfrm>
+          <a:prstGeom prst="rect">
+            <a:avLst/>
+          </a:prstGeom>
+          <a:noFill/>
+        </p:spPr>
+        <p:txBody>
+          <a:bodyPr wrap="none" rtlCol="0">
+            <a:spAutoFit/>
+          </a:bodyPr>
+          <a:lstStyle/>
+          <a:p>
+            <a:r>
+              <a:rPr lang="en-US" dirty="0"/>
+              <a:t>static int</a:t>
+            </a:r>
+          </a:p>
+          <a:p>
+            <a:r>
+              <a:rPr lang="en-US" dirty="0"/>
+              <a:t>Point::</a:t>
+            </a:r>
+            <a:r>
+              <a:rPr lang="en-US" dirty="0" err="1"/>
+              <a:t>PointCount</a:t>
+            </a:r>
+            <a:r>
+              <a:rPr lang="en-US" dirty="0"/>
+              <a:t>()</a:t>
+            </a:r>
+          </a:p>
+        </p:txBody>
+      </p:sp>
+      <p:sp>
+        <p:nvSpPr>
+          <p:cNvPr id="47" name="Rectangle 46">
+            <a:extLst>
+              <a:ext uri="{FF2B5EF4-FFF2-40B4-BE49-F238E27FC236}">
+                <a16:creationId xmlns:a16="http://schemas.microsoft.com/office/drawing/2014/main" id="{ADA86A92-C17C-4A09-9F63-B020785B44CC}"/>
+              </a:ext>
+            </a:extLst>
+          </p:cNvPr>
+          <p:cNvSpPr/>
+          <p:nvPr/>
+        </p:nvSpPr>
+        <p:spPr>
+          <a:xfrm>
+            <a:off x="2731401" y="4385784"/>
+            <a:ext cx="1787505" cy="1394364"/>
+          </a:xfrm>
+          <a:prstGeom prst="rect">
+            <a:avLst/>
+          </a:prstGeom>
+          <a:noFill/>
+        </p:spPr>
+        <p:style>
+          <a:lnRef idx="2">
+            <a:schemeClr val="accent1">
+              <a:shade val="50000"/>
+            </a:schemeClr>
+          </a:lnRef>
+          <a:fillRef idx="1">
+            <a:schemeClr val="accent1"/>
+          </a:fillRef>
+          <a:effectRef idx="0">
+            <a:schemeClr val="accent1"/>
+          </a:effectRef>
+          <a:fontRef idx="minor">
+            <a:schemeClr val="lt1"/>
+          </a:fontRef>
+        </p:style>
+        <p:txBody>
+          <a:bodyPr rtlCol="0" anchor="ctr"/>
+          <a:lstStyle/>
+          <a:p>
+            <a:pPr algn="ctr"/>
+            <a:endParaRPr lang="en-US"/>
+          </a:p>
+        </p:txBody>
+      </p:sp>
+      <p:sp>
+        <p:nvSpPr>
+          <p:cNvPr id="48" name="TextBox 47">
+            <a:extLst>
+              <a:ext uri="{FF2B5EF4-FFF2-40B4-BE49-F238E27FC236}">
+                <a16:creationId xmlns:a16="http://schemas.microsoft.com/office/drawing/2014/main" id="{A5A65236-F908-4FD0-B4E6-14B9C2882364}"/>
+              </a:ext>
+            </a:extLst>
+          </p:cNvPr>
+          <p:cNvSpPr txBox="1"/>
+          <p:nvPr/>
+        </p:nvSpPr>
+        <p:spPr>
+          <a:xfrm>
+            <a:off x="2920181" y="4648692"/>
+            <a:ext cx="1444883" cy="923330"/>
+          </a:xfrm>
+          <a:prstGeom prst="rect">
+            <a:avLst/>
+          </a:prstGeom>
+          <a:noFill/>
+        </p:spPr>
+        <p:txBody>
+          <a:bodyPr wrap="none" rtlCol="0">
+            <a:spAutoFit/>
+          </a:bodyPr>
+          <a:lstStyle/>
+          <a:p>
+            <a:r>
+              <a:rPr lang="en-US" dirty="0"/>
+              <a:t>static int</a:t>
+            </a:r>
+          </a:p>
+          <a:p>
+            <a:r>
+              <a:rPr lang="en-US" dirty="0"/>
+              <a:t>Point::</a:t>
+            </a:r>
+          </a:p>
+          <a:p>
+            <a:r>
+              <a:rPr lang="en-US" dirty="0"/>
+              <a:t>_</a:t>
+            </a:r>
+            <a:r>
+              <a:rPr lang="en-US" dirty="0" err="1"/>
+              <a:t>point_count</a:t>
+            </a:r>
+            <a:endParaRPr lang="en-US" dirty="0"/>
+          </a:p>
+        </p:txBody>
+      </p:sp>
+      <p:sp>
+        <p:nvSpPr>
+          <p:cNvPr id="49" name="Rectangle 48">
+            <a:extLst>
+              <a:ext uri="{FF2B5EF4-FFF2-40B4-BE49-F238E27FC236}">
+                <a16:creationId xmlns:a16="http://schemas.microsoft.com/office/drawing/2014/main" id="{87A37B2D-1652-4A56-86C8-FBD789ABA394}"/>
+              </a:ext>
+            </a:extLst>
+          </p:cNvPr>
+          <p:cNvSpPr/>
+          <p:nvPr/>
+        </p:nvSpPr>
+        <p:spPr>
+          <a:xfrm>
+            <a:off x="2566219" y="2395138"/>
+            <a:ext cx="1917096" cy="1097280"/>
+          </a:xfrm>
+          <a:prstGeom prst="rect">
+            <a:avLst/>
+          </a:prstGeom>
+          <a:noFill/>
+        </p:spPr>
+        <p:style>
+          <a:lnRef idx="2">
+            <a:schemeClr val="accent1">
+              <a:shade val="50000"/>
+            </a:schemeClr>
+          </a:lnRef>
+          <a:fillRef idx="1">
+            <a:schemeClr val="accent1"/>
+          </a:fillRef>
+          <a:effectRef idx="0">
+            <a:schemeClr val="accent1"/>
+          </a:effectRef>
+          <a:fontRef idx="minor">
+            <a:schemeClr val="lt1"/>
+          </a:fontRef>
+        </p:style>
+        <p:txBody>
+          <a:bodyPr rtlCol="0" anchor="ctr"/>
+          <a:lstStyle/>
+          <a:p>
+            <a:pPr algn="ctr"/>
+            <a:endParaRPr lang="en-US"/>
+          </a:p>
+        </p:txBody>
+      </p:sp>
+      <p:cxnSp>
+        <p:nvCxnSpPr>
+          <p:cNvPr id="51" name="Straight Connector 50">
+            <a:extLst>
+              <a:ext uri="{FF2B5EF4-FFF2-40B4-BE49-F238E27FC236}">
+                <a16:creationId xmlns:a16="http://schemas.microsoft.com/office/drawing/2014/main" id="{E5FC1EB9-A624-46CD-A218-F1F697A7306F}"/>
+              </a:ext>
+            </a:extLst>
+          </p:cNvPr>
+          <p:cNvCxnSpPr>
+            <a:stCxn id="49" idx="1"/>
+            <a:endCxn id="49" idx="3"/>
+          </p:cNvCxnSpPr>
+          <p:nvPr/>
+        </p:nvCxnSpPr>
+        <p:spPr>
+          <a:xfrm>
+            <a:off x="2566219" y="2943778"/>
+            <a:ext cx="1917096" cy="0"/>
+          </a:xfrm>
+          <a:prstGeom prst="line">
+            <a:avLst/>
+          </a:prstGeom>
+        </p:spPr>
+        <p:style>
+          <a:lnRef idx="1">
+            <a:schemeClr val="accent1"/>
+          </a:lnRef>
+          <a:fillRef idx="0">
+            <a:schemeClr val="accent1"/>
+          </a:fillRef>
+          <a:effectRef idx="0">
+            <a:schemeClr val="accent1"/>
+          </a:effectRef>
+          <a:fontRef idx="minor">
+            <a:schemeClr val="tx1"/>
+          </a:fontRef>
+        </p:style>
+      </p:cxnSp>
+      <p:sp>
+        <p:nvSpPr>
+          <p:cNvPr id="52" name="TextBox 51">
+            <a:extLst>
+              <a:ext uri="{FF2B5EF4-FFF2-40B4-BE49-F238E27FC236}">
+                <a16:creationId xmlns:a16="http://schemas.microsoft.com/office/drawing/2014/main" id="{E5746003-7190-47BF-BCF6-98E559475284}"/>
+              </a:ext>
+            </a:extLst>
+          </p:cNvPr>
+          <p:cNvSpPr txBox="1"/>
+          <p:nvPr/>
+        </p:nvSpPr>
+        <p:spPr>
+          <a:xfrm>
+            <a:off x="2972816" y="2493844"/>
+            <a:ext cx="1392248" cy="369332"/>
+          </a:xfrm>
+          <a:prstGeom prst="rect">
+            <a:avLst/>
+          </a:prstGeom>
+          <a:noFill/>
+        </p:spPr>
+        <p:txBody>
+          <a:bodyPr wrap="square" rtlCol="0">
+            <a:spAutoFit/>
+          </a:bodyPr>
+          <a:lstStyle/>
+          <a:p>
+            <a:r>
+              <a:rPr lang="en-US" dirty="0"/>
+              <a:t>float _x</a:t>
+            </a:r>
+          </a:p>
+        </p:txBody>
+      </p:sp>
+      <p:sp>
+        <p:nvSpPr>
+          <p:cNvPr id="53" name="TextBox 52">
+            <a:extLst>
+              <a:ext uri="{FF2B5EF4-FFF2-40B4-BE49-F238E27FC236}">
+                <a16:creationId xmlns:a16="http://schemas.microsoft.com/office/drawing/2014/main" id="{59816488-02C9-4633-9206-7BA46BC33A4F}"/>
+              </a:ext>
+            </a:extLst>
+          </p:cNvPr>
+          <p:cNvSpPr txBox="1"/>
+          <p:nvPr/>
+        </p:nvSpPr>
+        <p:spPr>
+          <a:xfrm>
+            <a:off x="2767861" y="3024381"/>
+            <a:ext cx="1513812" cy="369332"/>
+          </a:xfrm>
+          <a:prstGeom prst="rect">
+            <a:avLst/>
+          </a:prstGeom>
+          <a:noFill/>
+        </p:spPr>
+        <p:txBody>
+          <a:bodyPr wrap="none" rtlCol="0">
+            <a:spAutoFit/>
+          </a:bodyPr>
+          <a:lstStyle/>
+          <a:p>
+            <a:r>
+              <a:rPr lang="en-US" dirty="0"/>
+              <a:t>__</a:t>
+            </a:r>
+            <a:r>
+              <a:rPr lang="en-US" dirty="0" err="1"/>
+              <a:t>vptr</a:t>
+            </a:r>
+            <a:r>
+              <a:rPr lang="en-US" dirty="0"/>
+              <a:t>__Point</a:t>
+            </a:r>
+          </a:p>
+        </p:txBody>
+      </p:sp>
+      <p:sp>
+        <p:nvSpPr>
+          <p:cNvPr id="54" name="Oval 53">
+            <a:extLst>
+              <a:ext uri="{FF2B5EF4-FFF2-40B4-BE49-F238E27FC236}">
+                <a16:creationId xmlns:a16="http://schemas.microsoft.com/office/drawing/2014/main" id="{E99472FA-77AF-4022-ADFE-8CEC1CDE4141}"/>
+              </a:ext>
+            </a:extLst>
+          </p:cNvPr>
+          <p:cNvSpPr/>
+          <p:nvPr/>
+        </p:nvSpPr>
+        <p:spPr>
+          <a:xfrm>
+            <a:off x="4318290" y="3183827"/>
+            <a:ext cx="45719" cy="45719"/>
+          </a:xfrm>
+          <a:prstGeom prst="ellipse">
+            <a:avLst/>
+          </a:prstGeom>
+        </p:spPr>
+        <p:style>
+          <a:lnRef idx="2">
+            <a:schemeClr val="accent1">
+              <a:shade val="50000"/>
+            </a:schemeClr>
+          </a:lnRef>
+          <a:fillRef idx="1">
+            <a:schemeClr val="accent1"/>
+          </a:fillRef>
+          <a:effectRef idx="0">
+            <a:schemeClr val="accent1"/>
+          </a:effectRef>
+          <a:fontRef idx="minor">
+            <a:schemeClr val="lt1"/>
+          </a:fontRef>
+        </p:style>
+        <p:txBody>
+          <a:bodyPr rtlCol="0" anchor="ctr"/>
+          <a:lstStyle/>
+          <a:p>
+            <a:pPr algn="ctr"/>
+            <a:endParaRPr lang="en-US"/>
+          </a:p>
+        </p:txBody>
+      </p:sp>
+      <p:cxnSp>
+        <p:nvCxnSpPr>
+          <p:cNvPr id="56" name="Connector: Elbow 55">
+            <a:extLst>
+              <a:ext uri="{FF2B5EF4-FFF2-40B4-BE49-F238E27FC236}">
+                <a16:creationId xmlns:a16="http://schemas.microsoft.com/office/drawing/2014/main" id="{6B80D7A3-777A-48E5-9429-FBBAEEAD1DD3}"/>
+              </a:ext>
+            </a:extLst>
+          </p:cNvPr>
+          <p:cNvCxnSpPr>
+            <a:stCxn id="54" idx="7"/>
+          </p:cNvCxnSpPr>
+          <p:nvPr/>
+        </p:nvCxnSpPr>
+        <p:spPr>
+          <a:xfrm rot="5400000" flipH="1" flipV="1">
+            <a:off x="4716763" y="2727109"/>
+            <a:ext cx="103964" cy="822863"/>
+          </a:xfrm>
+          <a:prstGeom prst="bentConnector2">
+            <a:avLst/>
+          </a:prstGeom>
+          <a:ln>
+            <a:tailEnd type="triangle"/>
+          </a:ln>
+        </p:spPr>
+        <p:style>
+          <a:lnRef idx="1">
+            <a:schemeClr val="accent1"/>
+          </a:lnRef>
+          <a:fillRef idx="0">
+            <a:schemeClr val="accent1"/>
+          </a:fillRef>
+          <a:effectRef idx="0">
+            <a:schemeClr val="accent1"/>
+          </a:effectRef>
+          <a:fontRef idx="minor">
+            <a:schemeClr val="tx1"/>
+          </a:fontRef>
+        </p:style>
+      </p:cxnSp>
+      <p:sp>
+        <p:nvSpPr>
+          <p:cNvPr id="57" name="TextBox 56">
+            <a:extLst>
+              <a:ext uri="{FF2B5EF4-FFF2-40B4-BE49-F238E27FC236}">
+                <a16:creationId xmlns:a16="http://schemas.microsoft.com/office/drawing/2014/main" id="{950B57C4-1EF8-4E75-A7E3-F95A49FAD1B0}"/>
+              </a:ext>
+            </a:extLst>
+          </p:cNvPr>
+          <p:cNvSpPr txBox="1"/>
+          <p:nvPr/>
+        </p:nvSpPr>
+        <p:spPr>
+          <a:xfrm>
+            <a:off x="3033158" y="3525881"/>
+            <a:ext cx="983218" cy="369332"/>
+          </a:xfrm>
+          <a:prstGeom prst="rect">
+            <a:avLst/>
+          </a:prstGeom>
+          <a:noFill/>
+        </p:spPr>
+        <p:txBody>
+          <a:bodyPr wrap="none" rtlCol="0">
+            <a:spAutoFit/>
+          </a:bodyPr>
+          <a:lstStyle/>
+          <a:p>
+            <a:r>
+              <a:rPr lang="en-US" dirty="0"/>
+              <a:t>Point </a:t>
+            </a:r>
+            <a:r>
+              <a:rPr lang="en-US" dirty="0" err="1"/>
+              <a:t>pt</a:t>
+            </a:r>
+            <a:r>
+              <a:rPr lang="en-US" dirty="0"/>
+              <a:t>;</a:t>
+            </a:r>
+          </a:p>
+        </p:txBody>
+      </p:sp>
+    </p:spTree>
+    <p:extLst>
+      <p:ext uri="{BB962C8B-B14F-4D97-AF65-F5344CB8AC3E}">
+        <p14:creationId xmlns:p14="http://schemas.microsoft.com/office/powerpoint/2010/main" val="351114421"/>
+      </p:ext>
+    </p:extLst>
+  </p:cSld>
+  <p:clrMapOvr>
+    <a:masterClrMapping/>
+  </p:clrMapOvr>
+</p:sld>
+</file>
+
 <file path=ppt/theme/theme1.xml><?xml version="1.0" encoding="utf-8"?>
 <a:theme xmlns:a="http://schemas.openxmlformats.org/drawingml/2006/main" name="Office Theme">
   <a:themeElements>

--- a/object_lessons/object_lessons.pptx
+++ b/object_lessons/object_lessons.pptx
@@ -8,6 +8,7 @@
     <p:sldId id="256" r:id="rId2"/>
     <p:sldId id="257" r:id="rId3"/>
     <p:sldId id="258" r:id="rId4"/>
+    <p:sldId id="259" r:id="rId5"/>
   </p:sldIdLst>
   <p:sldSz cx="12192000" cy="6858000"/>
   <p:notesSz cx="6858000" cy="9144000"/>
@@ -7660,6 +7661,624 @@
 </p:sld>
 </file>
 
+<file path=ppt/slides/slide4.xml><?xml version="1.0" encoding="utf-8"?>
+<p:sld xmlns:a="http://schemas.openxmlformats.org/drawingml/2006/main" xmlns:r="http://schemas.openxmlformats.org/officeDocument/2006/relationships" xmlns:p="http://schemas.openxmlformats.org/presentationml/2006/main">
+  <p:cSld>
+    <p:spTree>
+      <p:nvGrpSpPr>
+        <p:cNvPr id="1" name=""/>
+        <p:cNvGrpSpPr/>
+        <p:nvPr/>
+      </p:nvGrpSpPr>
+      <p:grpSpPr>
+        <a:xfrm>
+          <a:off x="0" y="0"/>
+          <a:ext cx="0" cy="0"/>
+          <a:chOff x="0" y="0"/>
+          <a:chExt cx="0" cy="0"/>
+        </a:xfrm>
+      </p:grpSpPr>
+      <p:sp>
+        <p:nvSpPr>
+          <p:cNvPr id="4" name="Rectangle 3">
+            <a:extLst>
+              <a:ext uri="{FF2B5EF4-FFF2-40B4-BE49-F238E27FC236}">
+                <a16:creationId xmlns:a16="http://schemas.microsoft.com/office/drawing/2014/main" id="{9FF8589D-35F8-4385-ACB1-8B5594C4BDB8}"/>
+              </a:ext>
+            </a:extLst>
+          </p:cNvPr>
+          <p:cNvSpPr/>
+          <p:nvPr/>
+        </p:nvSpPr>
+        <p:spPr>
+          <a:xfrm>
+            <a:off x="3374431" y="743319"/>
+            <a:ext cx="2721569" cy="2760898"/>
+          </a:xfrm>
+          <a:prstGeom prst="rect">
+            <a:avLst/>
+          </a:prstGeom>
+          <a:noFill/>
+        </p:spPr>
+        <p:style>
+          <a:lnRef idx="2">
+            <a:schemeClr val="accent1">
+              <a:shade val="50000"/>
+            </a:schemeClr>
+          </a:lnRef>
+          <a:fillRef idx="1">
+            <a:schemeClr val="accent1"/>
+          </a:fillRef>
+          <a:effectRef idx="0">
+            <a:schemeClr val="accent1"/>
+          </a:effectRef>
+          <a:fontRef idx="minor">
+            <a:schemeClr val="lt1"/>
+          </a:fontRef>
+        </p:style>
+        <p:txBody>
+          <a:bodyPr rtlCol="0" anchor="ctr"/>
+          <a:lstStyle/>
+          <a:p>
+            <a:pPr algn="ctr"/>
+            <a:endParaRPr lang="en-US"/>
+          </a:p>
+        </p:txBody>
+      </p:sp>
+      <p:cxnSp>
+        <p:nvCxnSpPr>
+          <p:cNvPr id="6" name="Straight Connector 5">
+            <a:extLst>
+              <a:ext uri="{FF2B5EF4-FFF2-40B4-BE49-F238E27FC236}">
+                <a16:creationId xmlns:a16="http://schemas.microsoft.com/office/drawing/2014/main" id="{FDF22A2A-F501-453A-9F53-3AC2B1D8EE75}"/>
+              </a:ext>
+            </a:extLst>
+          </p:cNvPr>
+          <p:cNvCxnSpPr/>
+          <p:nvPr/>
+        </p:nvCxnSpPr>
+        <p:spPr>
+          <a:xfrm>
+            <a:off x="3415726" y="1368650"/>
+            <a:ext cx="2601616" cy="0"/>
+          </a:xfrm>
+          <a:prstGeom prst="line">
+            <a:avLst/>
+          </a:prstGeom>
+        </p:spPr>
+        <p:style>
+          <a:lnRef idx="1">
+            <a:schemeClr val="accent1"/>
+          </a:lnRef>
+          <a:fillRef idx="0">
+            <a:schemeClr val="accent1"/>
+          </a:fillRef>
+          <a:effectRef idx="0">
+            <a:schemeClr val="accent1"/>
+          </a:effectRef>
+          <a:fontRef idx="minor">
+            <a:schemeClr val="tx1"/>
+          </a:fontRef>
+        </p:style>
+      </p:cxnSp>
+      <p:cxnSp>
+        <p:nvCxnSpPr>
+          <p:cNvPr id="7" name="Straight Connector 6">
+            <a:extLst>
+              <a:ext uri="{FF2B5EF4-FFF2-40B4-BE49-F238E27FC236}">
+                <a16:creationId xmlns:a16="http://schemas.microsoft.com/office/drawing/2014/main" id="{7D2D8CEF-32D5-4A40-9F11-15B41E6C90DD}"/>
+              </a:ext>
+            </a:extLst>
+          </p:cNvPr>
+          <p:cNvCxnSpPr/>
+          <p:nvPr/>
+        </p:nvCxnSpPr>
+        <p:spPr>
+          <a:xfrm>
+            <a:off x="3415726" y="2872002"/>
+            <a:ext cx="2601616" cy="0"/>
+          </a:xfrm>
+          <a:prstGeom prst="line">
+            <a:avLst/>
+          </a:prstGeom>
+        </p:spPr>
+        <p:style>
+          <a:lnRef idx="1">
+            <a:schemeClr val="accent1"/>
+          </a:lnRef>
+          <a:fillRef idx="0">
+            <a:schemeClr val="accent1"/>
+          </a:fillRef>
+          <a:effectRef idx="0">
+            <a:schemeClr val="accent1"/>
+          </a:effectRef>
+          <a:fontRef idx="minor">
+            <a:schemeClr val="tx1"/>
+          </a:fontRef>
+        </p:style>
+      </p:cxnSp>
+      <p:cxnSp>
+        <p:nvCxnSpPr>
+          <p:cNvPr id="8" name="Straight Connector 7">
+            <a:extLst>
+              <a:ext uri="{FF2B5EF4-FFF2-40B4-BE49-F238E27FC236}">
+                <a16:creationId xmlns:a16="http://schemas.microsoft.com/office/drawing/2014/main" id="{4937DA9E-3D07-4FEE-A144-708C79404798}"/>
+              </a:ext>
+            </a:extLst>
+          </p:cNvPr>
+          <p:cNvCxnSpPr>
+            <a:cxnSpLocks/>
+          </p:cNvCxnSpPr>
+          <p:nvPr/>
+        </p:nvCxnSpPr>
+        <p:spPr>
+          <a:xfrm>
+            <a:off x="4489409" y="2128684"/>
+            <a:ext cx="1606591" cy="0"/>
+          </a:xfrm>
+          <a:prstGeom prst="line">
+            <a:avLst/>
+          </a:prstGeom>
+        </p:spPr>
+        <p:style>
+          <a:lnRef idx="1">
+            <a:schemeClr val="accent1"/>
+          </a:lnRef>
+          <a:fillRef idx="0">
+            <a:schemeClr val="accent1"/>
+          </a:fillRef>
+          <a:effectRef idx="0">
+            <a:schemeClr val="accent1"/>
+          </a:effectRef>
+          <a:fontRef idx="minor">
+            <a:schemeClr val="tx1"/>
+          </a:fontRef>
+        </p:style>
+      </p:cxnSp>
+      <p:sp>
+        <p:nvSpPr>
+          <p:cNvPr id="10" name="TextBox 9">
+            <a:extLst>
+              <a:ext uri="{FF2B5EF4-FFF2-40B4-BE49-F238E27FC236}">
+                <a16:creationId xmlns:a16="http://schemas.microsoft.com/office/drawing/2014/main" id="{16A99ECA-9486-4BF4-9B42-D6EE4D59CED8}"/>
+              </a:ext>
+            </a:extLst>
+          </p:cNvPr>
+          <p:cNvSpPr txBox="1"/>
+          <p:nvPr/>
+        </p:nvSpPr>
+        <p:spPr>
+          <a:xfrm>
+            <a:off x="3559335" y="875432"/>
+            <a:ext cx="759632" cy="369332"/>
+          </a:xfrm>
+          <a:prstGeom prst="rect">
+            <a:avLst/>
+          </a:prstGeom>
+          <a:noFill/>
+        </p:spPr>
+        <p:txBody>
+          <a:bodyPr wrap="none" rtlCol="0">
+            <a:spAutoFit/>
+          </a:bodyPr>
+          <a:lstStyle/>
+          <a:p>
+            <a:r>
+              <a:rPr lang="en-US" dirty="0"/>
+              <a:t>int loc</a:t>
+            </a:r>
+          </a:p>
+        </p:txBody>
+      </p:sp>
+      <p:sp>
+        <p:nvSpPr>
+          <p:cNvPr id="11" name="TextBox 10">
+            <a:extLst>
+              <a:ext uri="{FF2B5EF4-FFF2-40B4-BE49-F238E27FC236}">
+                <a16:creationId xmlns:a16="http://schemas.microsoft.com/office/drawing/2014/main" id="{E3FEF121-6842-49FC-876D-54E45DDEC63B}"/>
+              </a:ext>
+            </a:extLst>
+          </p:cNvPr>
+          <p:cNvSpPr txBox="1"/>
+          <p:nvPr/>
+        </p:nvSpPr>
+        <p:spPr>
+          <a:xfrm>
+            <a:off x="3418829" y="1379335"/>
+            <a:ext cx="1316386" cy="369332"/>
+          </a:xfrm>
+          <a:prstGeom prst="rect">
+            <a:avLst/>
+          </a:prstGeom>
+          <a:noFill/>
+        </p:spPr>
+        <p:txBody>
+          <a:bodyPr wrap="none" rtlCol="0">
+            <a:spAutoFit/>
+          </a:bodyPr>
+          <a:lstStyle/>
+          <a:p>
+            <a:r>
+              <a:rPr lang="en-US" dirty="0"/>
+              <a:t>String name</a:t>
+            </a:r>
+          </a:p>
+        </p:txBody>
+      </p:sp>
+      <p:sp>
+        <p:nvSpPr>
+          <p:cNvPr id="12" name="TextBox 11">
+            <a:extLst>
+              <a:ext uri="{FF2B5EF4-FFF2-40B4-BE49-F238E27FC236}">
+                <a16:creationId xmlns:a16="http://schemas.microsoft.com/office/drawing/2014/main" id="{64C9AF50-64B1-4BFC-9A62-5BCE22F99337}"/>
+              </a:ext>
+            </a:extLst>
+          </p:cNvPr>
+          <p:cNvSpPr txBox="1"/>
+          <p:nvPr/>
+        </p:nvSpPr>
+        <p:spPr>
+          <a:xfrm>
+            <a:off x="4568419" y="1742636"/>
+            <a:ext cx="1448923" cy="369332"/>
+          </a:xfrm>
+          <a:prstGeom prst="rect">
+            <a:avLst/>
+          </a:prstGeom>
+          <a:noFill/>
+        </p:spPr>
+        <p:txBody>
+          <a:bodyPr wrap="none" rtlCol="0">
+            <a:spAutoFit/>
+          </a:bodyPr>
+          <a:lstStyle/>
+          <a:p>
+            <a:r>
+              <a:rPr lang="en-US" dirty="0"/>
+              <a:t>int String::</a:t>
+            </a:r>
+            <a:r>
+              <a:rPr lang="en-US" dirty="0" err="1"/>
+              <a:t>len</a:t>
+            </a:r>
+            <a:endParaRPr lang="en-US" dirty="0"/>
+          </a:p>
+        </p:txBody>
+      </p:sp>
+      <p:sp>
+        <p:nvSpPr>
+          <p:cNvPr id="13" name="TextBox 12">
+            <a:extLst>
+              <a:ext uri="{FF2B5EF4-FFF2-40B4-BE49-F238E27FC236}">
+                <a16:creationId xmlns:a16="http://schemas.microsoft.com/office/drawing/2014/main" id="{E56D57C9-5BE3-42C5-BC66-EC86E44E4D25}"/>
+              </a:ext>
+            </a:extLst>
+          </p:cNvPr>
+          <p:cNvSpPr txBox="1"/>
+          <p:nvPr/>
+        </p:nvSpPr>
+        <p:spPr>
+          <a:xfrm>
+            <a:off x="4338036" y="2105937"/>
+            <a:ext cx="1679306" cy="369332"/>
+          </a:xfrm>
+          <a:prstGeom prst="rect">
+            <a:avLst/>
+          </a:prstGeom>
+          <a:noFill/>
+        </p:spPr>
+        <p:txBody>
+          <a:bodyPr wrap="none" rtlCol="0">
+            <a:spAutoFit/>
+          </a:bodyPr>
+          <a:lstStyle/>
+          <a:p>
+            <a:r>
+              <a:rPr lang="en-US" dirty="0"/>
+              <a:t>char* String::str</a:t>
+            </a:r>
+          </a:p>
+        </p:txBody>
+      </p:sp>
+      <p:sp>
+        <p:nvSpPr>
+          <p:cNvPr id="14" name="TextBox 13">
+            <a:extLst>
+              <a:ext uri="{FF2B5EF4-FFF2-40B4-BE49-F238E27FC236}">
+                <a16:creationId xmlns:a16="http://schemas.microsoft.com/office/drawing/2014/main" id="{0ED6CCCE-9488-4F5E-BC66-A62DD8E5121D}"/>
+              </a:ext>
+            </a:extLst>
+          </p:cNvPr>
+          <p:cNvSpPr txBox="1"/>
+          <p:nvPr/>
+        </p:nvSpPr>
+        <p:spPr>
+          <a:xfrm>
+            <a:off x="3559335" y="3050636"/>
+            <a:ext cx="2031838" cy="369332"/>
+          </a:xfrm>
+          <a:prstGeom prst="rect">
+            <a:avLst/>
+          </a:prstGeom>
+          <a:noFill/>
+        </p:spPr>
+        <p:txBody>
+          <a:bodyPr wrap="none" rtlCol="0">
+            <a:spAutoFit/>
+          </a:bodyPr>
+          <a:lstStyle/>
+          <a:p>
+            <a:r>
+              <a:rPr lang="en-US" dirty="0"/>
+              <a:t>__</a:t>
+            </a:r>
+            <a:r>
+              <a:rPr lang="en-US" dirty="0" err="1"/>
+              <a:t>vptr</a:t>
+            </a:r>
+            <a:r>
+              <a:rPr lang="en-US" dirty="0"/>
+              <a:t>__</a:t>
+            </a:r>
+            <a:r>
+              <a:rPr lang="en-US" dirty="0" err="1"/>
+              <a:t>ZooAnimal</a:t>
+            </a:r>
+            <a:endParaRPr lang="en-US" dirty="0"/>
+          </a:p>
+        </p:txBody>
+      </p:sp>
+      <p:sp>
+        <p:nvSpPr>
+          <p:cNvPr id="15" name="TextBox 14">
+            <a:extLst>
+              <a:ext uri="{FF2B5EF4-FFF2-40B4-BE49-F238E27FC236}">
+                <a16:creationId xmlns:a16="http://schemas.microsoft.com/office/drawing/2014/main" id="{EAD0898C-7FD0-496E-B49E-4982B1E1FE9C}"/>
+              </a:ext>
+            </a:extLst>
+          </p:cNvPr>
+          <p:cNvSpPr txBox="1"/>
+          <p:nvPr/>
+        </p:nvSpPr>
+        <p:spPr>
+          <a:xfrm>
+            <a:off x="3415726" y="3531618"/>
+            <a:ext cx="2223622" cy="369332"/>
+          </a:xfrm>
+          <a:prstGeom prst="rect">
+            <a:avLst/>
+          </a:prstGeom>
+          <a:noFill/>
+        </p:spPr>
+        <p:txBody>
+          <a:bodyPr wrap="none" rtlCol="0">
+            <a:spAutoFit/>
+          </a:bodyPr>
+          <a:lstStyle/>
+          <a:p>
+            <a:r>
+              <a:rPr lang="en-US" dirty="0" err="1"/>
+              <a:t>ZooAnimal</a:t>
+            </a:r>
+            <a:r>
+              <a:rPr lang="en-US" dirty="0"/>
+              <a:t> za(“Zoey”)</a:t>
+            </a:r>
+          </a:p>
+        </p:txBody>
+      </p:sp>
+      <p:sp>
+        <p:nvSpPr>
+          <p:cNvPr id="16" name="TextBox 15">
+            <a:extLst>
+              <a:ext uri="{FF2B5EF4-FFF2-40B4-BE49-F238E27FC236}">
+                <a16:creationId xmlns:a16="http://schemas.microsoft.com/office/drawing/2014/main" id="{A199D573-FE2E-46D5-91F7-B7171C893B4A}"/>
+              </a:ext>
+            </a:extLst>
+          </p:cNvPr>
+          <p:cNvSpPr txBox="1"/>
+          <p:nvPr/>
+        </p:nvSpPr>
+        <p:spPr>
+          <a:xfrm>
+            <a:off x="2659171" y="601734"/>
+            <a:ext cx="715260" cy="369332"/>
+          </a:xfrm>
+          <a:prstGeom prst="rect">
+            <a:avLst/>
+          </a:prstGeom>
+          <a:noFill/>
+        </p:spPr>
+        <p:txBody>
+          <a:bodyPr wrap="none" rtlCol="0">
+            <a:spAutoFit/>
+          </a:bodyPr>
+          <a:lstStyle/>
+          <a:p>
+            <a:r>
+              <a:rPr lang="en-US" dirty="0"/>
+              <a:t>1000:</a:t>
+            </a:r>
+          </a:p>
+        </p:txBody>
+      </p:sp>
+      <p:sp>
+        <p:nvSpPr>
+          <p:cNvPr id="17" name="Rectangle 16">
+            <a:extLst>
+              <a:ext uri="{FF2B5EF4-FFF2-40B4-BE49-F238E27FC236}">
+                <a16:creationId xmlns:a16="http://schemas.microsoft.com/office/drawing/2014/main" id="{DE07B093-FE26-47C1-AF9E-DC167A16E75A}"/>
+              </a:ext>
+            </a:extLst>
+          </p:cNvPr>
+          <p:cNvSpPr/>
+          <p:nvPr/>
+        </p:nvSpPr>
+        <p:spPr>
+          <a:xfrm>
+            <a:off x="3374431" y="4341925"/>
+            <a:ext cx="2721569" cy="547657"/>
+          </a:xfrm>
+          <a:prstGeom prst="rect">
+            <a:avLst/>
+          </a:prstGeom>
+          <a:noFill/>
+        </p:spPr>
+        <p:style>
+          <a:lnRef idx="2">
+            <a:schemeClr val="accent1">
+              <a:shade val="50000"/>
+            </a:schemeClr>
+          </a:lnRef>
+          <a:fillRef idx="1">
+            <a:schemeClr val="accent1"/>
+          </a:fillRef>
+          <a:effectRef idx="0">
+            <a:schemeClr val="accent1"/>
+          </a:effectRef>
+          <a:fontRef idx="minor">
+            <a:schemeClr val="lt1"/>
+          </a:fontRef>
+        </p:style>
+        <p:txBody>
+          <a:bodyPr rtlCol="0" anchor="ctr"/>
+          <a:lstStyle/>
+          <a:p>
+            <a:pPr algn="ctr"/>
+            <a:endParaRPr lang="en-US"/>
+          </a:p>
+        </p:txBody>
+      </p:sp>
+      <p:sp>
+        <p:nvSpPr>
+          <p:cNvPr id="18" name="TextBox 17">
+            <a:extLst>
+              <a:ext uri="{FF2B5EF4-FFF2-40B4-BE49-F238E27FC236}">
+                <a16:creationId xmlns:a16="http://schemas.microsoft.com/office/drawing/2014/main" id="{B75F2B45-088F-4FD7-A804-E17E3F601D24}"/>
+              </a:ext>
+            </a:extLst>
+          </p:cNvPr>
+          <p:cNvSpPr txBox="1"/>
+          <p:nvPr/>
+        </p:nvSpPr>
+        <p:spPr>
+          <a:xfrm>
+            <a:off x="5443257" y="4442886"/>
+            <a:ext cx="652743" cy="369332"/>
+          </a:xfrm>
+          <a:prstGeom prst="rect">
+            <a:avLst/>
+          </a:prstGeom>
+          <a:noFill/>
+        </p:spPr>
+        <p:txBody>
+          <a:bodyPr wrap="none" rtlCol="0">
+            <a:spAutoFit/>
+          </a:bodyPr>
+          <a:lstStyle/>
+          <a:p>
+            <a:r>
+              <a:rPr lang="en-US" dirty="0"/>
+              <a:t>1000</a:t>
+            </a:r>
+          </a:p>
+        </p:txBody>
+      </p:sp>
+      <p:sp>
+        <p:nvSpPr>
+          <p:cNvPr id="19" name="TextBox 18">
+            <a:extLst>
+              <a:ext uri="{FF2B5EF4-FFF2-40B4-BE49-F238E27FC236}">
+                <a16:creationId xmlns:a16="http://schemas.microsoft.com/office/drawing/2014/main" id="{B32E197E-337C-448B-AE90-F085005ED3D9}"/>
+              </a:ext>
+            </a:extLst>
+          </p:cNvPr>
+          <p:cNvSpPr txBox="1"/>
+          <p:nvPr/>
+        </p:nvSpPr>
+        <p:spPr>
+          <a:xfrm>
+            <a:off x="2659171" y="4157259"/>
+            <a:ext cx="715260" cy="369332"/>
+          </a:xfrm>
+          <a:prstGeom prst="rect">
+            <a:avLst/>
+          </a:prstGeom>
+          <a:noFill/>
+        </p:spPr>
+        <p:txBody>
+          <a:bodyPr wrap="none" rtlCol="0">
+            <a:spAutoFit/>
+          </a:bodyPr>
+          <a:lstStyle/>
+          <a:p>
+            <a:r>
+              <a:rPr lang="en-US" dirty="0"/>
+              <a:t>1016:</a:t>
+            </a:r>
+          </a:p>
+        </p:txBody>
+      </p:sp>
+      <p:sp>
+        <p:nvSpPr>
+          <p:cNvPr id="20" name="TextBox 19">
+            <a:extLst>
+              <a:ext uri="{FF2B5EF4-FFF2-40B4-BE49-F238E27FC236}">
+                <a16:creationId xmlns:a16="http://schemas.microsoft.com/office/drawing/2014/main" id="{3C899293-5D9C-4FEB-8658-D0BF936A86AC}"/>
+              </a:ext>
+            </a:extLst>
+          </p:cNvPr>
+          <p:cNvSpPr txBox="1"/>
+          <p:nvPr/>
+        </p:nvSpPr>
+        <p:spPr>
+          <a:xfrm>
+            <a:off x="3415726" y="4961225"/>
+            <a:ext cx="2249655" cy="369332"/>
+          </a:xfrm>
+          <a:prstGeom prst="rect">
+            <a:avLst/>
+          </a:prstGeom>
+          <a:noFill/>
+        </p:spPr>
+        <p:txBody>
+          <a:bodyPr wrap="none" rtlCol="0">
+            <a:spAutoFit/>
+          </a:bodyPr>
+          <a:lstStyle/>
+          <a:p>
+            <a:r>
+              <a:rPr lang="en-US" dirty="0" err="1"/>
+              <a:t>ZooAnimal</a:t>
+            </a:r>
+            <a:r>
+              <a:rPr lang="en-US" dirty="0"/>
+              <a:t> *</a:t>
+            </a:r>
+            <a:r>
+              <a:rPr lang="en-US" dirty="0" err="1"/>
+              <a:t>pza</a:t>
+            </a:r>
+            <a:r>
+              <a:rPr lang="en-US" dirty="0"/>
+              <a:t> = &amp;za</a:t>
+            </a:r>
+          </a:p>
+        </p:txBody>
+      </p:sp>
+    </p:spTree>
+    <p:extLst>
+      <p:ext uri="{BB962C8B-B14F-4D97-AF65-F5344CB8AC3E}">
+        <p14:creationId xmlns:p14="http://schemas.microsoft.com/office/powerpoint/2010/main" val="2130742827"/>
+      </p:ext>
+    </p:extLst>
+  </p:cSld>
+  <p:clrMapOvr>
+    <a:masterClrMapping/>
+  </p:clrMapOvr>
+</p:sld>
+</file>
+
 <file path=ppt/theme/theme1.xml><?xml version="1.0" encoding="utf-8"?>
 <a:theme xmlns:a="http://schemas.openxmlformats.org/drawingml/2006/main" name="Office Theme">
   <a:themeElements>

--- a/object_lessons/object_lessons.pptx
+++ b/object_lessons/object_lessons.pptx
@@ -9,6 +9,7 @@
     <p:sldId id="257" r:id="rId3"/>
     <p:sldId id="258" r:id="rId4"/>
     <p:sldId id="259" r:id="rId5"/>
+    <p:sldId id="260" r:id="rId6"/>
   </p:sldIdLst>
   <p:sldSz cx="12192000" cy="6858000"/>
   <p:notesSz cx="6858000" cy="9144000"/>
@@ -8279,6 +8280,856 @@
 </p:sld>
 </file>
 
+<file path=ppt/slides/slide5.xml><?xml version="1.0" encoding="utf-8"?>
+<p:sld xmlns:a="http://schemas.openxmlformats.org/drawingml/2006/main" xmlns:r="http://schemas.openxmlformats.org/officeDocument/2006/relationships" xmlns:p="http://schemas.openxmlformats.org/presentationml/2006/main">
+  <p:cSld>
+    <p:spTree>
+      <p:nvGrpSpPr>
+        <p:cNvPr id="1" name=""/>
+        <p:cNvGrpSpPr/>
+        <p:nvPr/>
+      </p:nvGrpSpPr>
+      <p:grpSpPr>
+        <a:xfrm>
+          <a:off x="0" y="0"/>
+          <a:ext cx="0" cy="0"/>
+          <a:chOff x="0" y="0"/>
+          <a:chExt cx="0" cy="0"/>
+        </a:xfrm>
+      </p:grpSpPr>
+      <p:sp>
+        <p:nvSpPr>
+          <p:cNvPr id="4" name="Rectangle 3">
+            <a:extLst>
+              <a:ext uri="{FF2B5EF4-FFF2-40B4-BE49-F238E27FC236}">
+                <a16:creationId xmlns:a16="http://schemas.microsoft.com/office/drawing/2014/main" id="{60E12E73-0123-42F1-ACF3-44A8E735F4BF}"/>
+              </a:ext>
+            </a:extLst>
+          </p:cNvPr>
+          <p:cNvSpPr/>
+          <p:nvPr/>
+        </p:nvSpPr>
+        <p:spPr>
+          <a:xfrm>
+            <a:off x="3598606" y="660728"/>
+            <a:ext cx="2721569" cy="2760898"/>
+          </a:xfrm>
+          <a:prstGeom prst="rect">
+            <a:avLst/>
+          </a:prstGeom>
+          <a:noFill/>
+        </p:spPr>
+        <p:style>
+          <a:lnRef idx="2">
+            <a:schemeClr val="accent1">
+              <a:shade val="50000"/>
+            </a:schemeClr>
+          </a:lnRef>
+          <a:fillRef idx="1">
+            <a:schemeClr val="accent1"/>
+          </a:fillRef>
+          <a:effectRef idx="0">
+            <a:schemeClr val="accent1"/>
+          </a:effectRef>
+          <a:fontRef idx="minor">
+            <a:schemeClr val="lt1"/>
+          </a:fontRef>
+        </p:style>
+        <p:txBody>
+          <a:bodyPr rtlCol="0" anchor="ctr"/>
+          <a:lstStyle/>
+          <a:p>
+            <a:pPr algn="ctr"/>
+            <a:endParaRPr lang="en-US"/>
+          </a:p>
+        </p:txBody>
+      </p:sp>
+      <p:cxnSp>
+        <p:nvCxnSpPr>
+          <p:cNvPr id="5" name="Straight Connector 4">
+            <a:extLst>
+              <a:ext uri="{FF2B5EF4-FFF2-40B4-BE49-F238E27FC236}">
+                <a16:creationId xmlns:a16="http://schemas.microsoft.com/office/drawing/2014/main" id="{942B0B5C-23B0-4EBA-9293-335B390F797D}"/>
+              </a:ext>
+            </a:extLst>
+          </p:cNvPr>
+          <p:cNvCxnSpPr>
+            <a:cxnSpLocks/>
+          </p:cNvCxnSpPr>
+          <p:nvPr/>
+        </p:nvCxnSpPr>
+        <p:spPr>
+          <a:xfrm>
+            <a:off x="4861068" y="1286059"/>
+            <a:ext cx="1380449" cy="0"/>
+          </a:xfrm>
+          <a:prstGeom prst="line">
+            <a:avLst/>
+          </a:prstGeom>
+        </p:spPr>
+        <p:style>
+          <a:lnRef idx="1">
+            <a:schemeClr val="accent1"/>
+          </a:lnRef>
+          <a:fillRef idx="0">
+            <a:schemeClr val="accent1"/>
+          </a:fillRef>
+          <a:effectRef idx="0">
+            <a:schemeClr val="accent1"/>
+          </a:effectRef>
+          <a:fontRef idx="minor">
+            <a:schemeClr val="tx1"/>
+          </a:fontRef>
+        </p:style>
+      </p:cxnSp>
+      <p:cxnSp>
+        <p:nvCxnSpPr>
+          <p:cNvPr id="6" name="Straight Connector 5">
+            <a:extLst>
+              <a:ext uri="{FF2B5EF4-FFF2-40B4-BE49-F238E27FC236}">
+                <a16:creationId xmlns:a16="http://schemas.microsoft.com/office/drawing/2014/main" id="{B3B317A1-0548-48CA-ACB7-84ED27361253}"/>
+              </a:ext>
+            </a:extLst>
+          </p:cNvPr>
+          <p:cNvCxnSpPr/>
+          <p:nvPr/>
+        </p:nvCxnSpPr>
+        <p:spPr>
+          <a:xfrm>
+            <a:off x="3639901" y="2789411"/>
+            <a:ext cx="2601616" cy="0"/>
+          </a:xfrm>
+          <a:prstGeom prst="line">
+            <a:avLst/>
+          </a:prstGeom>
+        </p:spPr>
+        <p:style>
+          <a:lnRef idx="1">
+            <a:schemeClr val="accent1"/>
+          </a:lnRef>
+          <a:fillRef idx="0">
+            <a:schemeClr val="accent1"/>
+          </a:fillRef>
+          <a:effectRef idx="0">
+            <a:schemeClr val="accent1"/>
+          </a:effectRef>
+          <a:fontRef idx="minor">
+            <a:schemeClr val="tx1"/>
+          </a:fontRef>
+        </p:style>
+      </p:cxnSp>
+      <p:cxnSp>
+        <p:nvCxnSpPr>
+          <p:cNvPr id="7" name="Straight Connector 6">
+            <a:extLst>
+              <a:ext uri="{FF2B5EF4-FFF2-40B4-BE49-F238E27FC236}">
+                <a16:creationId xmlns:a16="http://schemas.microsoft.com/office/drawing/2014/main" id="{52616B50-540F-47D9-8376-E3BD69859E66}"/>
+              </a:ext>
+            </a:extLst>
+          </p:cNvPr>
+          <p:cNvCxnSpPr>
+            <a:cxnSpLocks/>
+          </p:cNvCxnSpPr>
+          <p:nvPr/>
+        </p:nvCxnSpPr>
+        <p:spPr>
+          <a:xfrm>
+            <a:off x="4723415" y="1875012"/>
+            <a:ext cx="1606591" cy="0"/>
+          </a:xfrm>
+          <a:prstGeom prst="line">
+            <a:avLst/>
+          </a:prstGeom>
+        </p:spPr>
+        <p:style>
+          <a:lnRef idx="1">
+            <a:schemeClr val="accent1"/>
+          </a:lnRef>
+          <a:fillRef idx="0">
+            <a:schemeClr val="accent1"/>
+          </a:fillRef>
+          <a:effectRef idx="0">
+            <a:schemeClr val="accent1"/>
+          </a:effectRef>
+          <a:fontRef idx="minor">
+            <a:schemeClr val="tx1"/>
+          </a:fontRef>
+        </p:style>
+      </p:cxnSp>
+      <p:sp>
+        <p:nvSpPr>
+          <p:cNvPr id="8" name="TextBox 7">
+            <a:extLst>
+              <a:ext uri="{FF2B5EF4-FFF2-40B4-BE49-F238E27FC236}">
+                <a16:creationId xmlns:a16="http://schemas.microsoft.com/office/drawing/2014/main" id="{59ADE3CD-11D9-4FC6-B3E0-D72E1E545C4E}"/>
+              </a:ext>
+            </a:extLst>
+          </p:cNvPr>
+          <p:cNvSpPr txBox="1"/>
+          <p:nvPr/>
+        </p:nvSpPr>
+        <p:spPr>
+          <a:xfrm>
+            <a:off x="5171476" y="924397"/>
+            <a:ext cx="759632" cy="369332"/>
+          </a:xfrm>
+          <a:prstGeom prst="rect">
+            <a:avLst/>
+          </a:prstGeom>
+          <a:noFill/>
+        </p:spPr>
+        <p:txBody>
+          <a:bodyPr wrap="none" rtlCol="0">
+            <a:spAutoFit/>
+          </a:bodyPr>
+          <a:lstStyle/>
+          <a:p>
+            <a:r>
+              <a:rPr lang="en-US" dirty="0"/>
+              <a:t>int loc</a:t>
+            </a:r>
+          </a:p>
+        </p:txBody>
+      </p:sp>
+      <p:sp>
+        <p:nvSpPr>
+          <p:cNvPr id="9" name="TextBox 8">
+            <a:extLst>
+              <a:ext uri="{FF2B5EF4-FFF2-40B4-BE49-F238E27FC236}">
+                <a16:creationId xmlns:a16="http://schemas.microsoft.com/office/drawing/2014/main" id="{70770C22-4C56-45DD-850D-C5178F4CE05C}"/>
+              </a:ext>
+            </a:extLst>
+          </p:cNvPr>
+          <p:cNvSpPr txBox="1"/>
+          <p:nvPr/>
+        </p:nvSpPr>
+        <p:spPr>
+          <a:xfrm>
+            <a:off x="4925131" y="1230312"/>
+            <a:ext cx="1316386" cy="369332"/>
+          </a:xfrm>
+          <a:prstGeom prst="rect">
+            <a:avLst/>
+          </a:prstGeom>
+          <a:noFill/>
+        </p:spPr>
+        <p:txBody>
+          <a:bodyPr wrap="none" rtlCol="0">
+            <a:spAutoFit/>
+          </a:bodyPr>
+          <a:lstStyle/>
+          <a:p>
+            <a:r>
+              <a:rPr lang="en-US" dirty="0"/>
+              <a:t>String name</a:t>
+            </a:r>
+          </a:p>
+        </p:txBody>
+      </p:sp>
+      <p:sp>
+        <p:nvSpPr>
+          <p:cNvPr id="12" name="TextBox 11">
+            <a:extLst>
+              <a:ext uri="{FF2B5EF4-FFF2-40B4-BE49-F238E27FC236}">
+                <a16:creationId xmlns:a16="http://schemas.microsoft.com/office/drawing/2014/main" id="{29F9558B-5D9B-4E84-8EF4-5A79F5C158D8}"/>
+              </a:ext>
+            </a:extLst>
+          </p:cNvPr>
+          <p:cNvSpPr txBox="1"/>
+          <p:nvPr/>
+        </p:nvSpPr>
+        <p:spPr>
+          <a:xfrm>
+            <a:off x="4298168" y="1896070"/>
+            <a:ext cx="2031838" cy="369332"/>
+          </a:xfrm>
+          <a:prstGeom prst="rect">
+            <a:avLst/>
+          </a:prstGeom>
+          <a:noFill/>
+        </p:spPr>
+        <p:txBody>
+          <a:bodyPr wrap="none" rtlCol="0">
+            <a:spAutoFit/>
+          </a:bodyPr>
+          <a:lstStyle/>
+          <a:p>
+            <a:r>
+              <a:rPr lang="en-US" dirty="0"/>
+              <a:t>__</a:t>
+            </a:r>
+            <a:r>
+              <a:rPr lang="en-US" dirty="0" err="1"/>
+              <a:t>vptr</a:t>
+            </a:r>
+            <a:r>
+              <a:rPr lang="en-US" dirty="0"/>
+              <a:t>__</a:t>
+            </a:r>
+            <a:r>
+              <a:rPr lang="en-US" dirty="0" err="1"/>
+              <a:t>ZooAnimal</a:t>
+            </a:r>
+            <a:endParaRPr lang="en-US" dirty="0"/>
+          </a:p>
+        </p:txBody>
+      </p:sp>
+      <p:sp>
+        <p:nvSpPr>
+          <p:cNvPr id="13" name="TextBox 12">
+            <a:extLst>
+              <a:ext uri="{FF2B5EF4-FFF2-40B4-BE49-F238E27FC236}">
+                <a16:creationId xmlns:a16="http://schemas.microsoft.com/office/drawing/2014/main" id="{4EA76B2E-F97C-41F0-9832-4A89D9FAE801}"/>
+              </a:ext>
+            </a:extLst>
+          </p:cNvPr>
+          <p:cNvSpPr txBox="1"/>
+          <p:nvPr/>
+        </p:nvSpPr>
+        <p:spPr>
+          <a:xfrm>
+            <a:off x="3639901" y="3449027"/>
+            <a:ext cx="1572610" cy="369332"/>
+          </a:xfrm>
+          <a:prstGeom prst="rect">
+            <a:avLst/>
+          </a:prstGeom>
+          <a:noFill/>
+        </p:spPr>
+        <p:txBody>
+          <a:bodyPr wrap="none" rtlCol="0">
+            <a:spAutoFit/>
+          </a:bodyPr>
+          <a:lstStyle/>
+          <a:p>
+            <a:r>
+              <a:rPr lang="en-US" dirty="0"/>
+              <a:t>Bear b(“Yogi”);</a:t>
+            </a:r>
+          </a:p>
+        </p:txBody>
+      </p:sp>
+      <p:sp>
+        <p:nvSpPr>
+          <p:cNvPr id="14" name="TextBox 13">
+            <a:extLst>
+              <a:ext uri="{FF2B5EF4-FFF2-40B4-BE49-F238E27FC236}">
+                <a16:creationId xmlns:a16="http://schemas.microsoft.com/office/drawing/2014/main" id="{17573375-EB51-4560-9525-E0E3F0F5AFF0}"/>
+              </a:ext>
+            </a:extLst>
+          </p:cNvPr>
+          <p:cNvSpPr txBox="1"/>
+          <p:nvPr/>
+        </p:nvSpPr>
+        <p:spPr>
+          <a:xfrm>
+            <a:off x="2883346" y="519143"/>
+            <a:ext cx="715260" cy="369332"/>
+          </a:xfrm>
+          <a:prstGeom prst="rect">
+            <a:avLst/>
+          </a:prstGeom>
+          <a:noFill/>
+        </p:spPr>
+        <p:txBody>
+          <a:bodyPr wrap="none" rtlCol="0">
+            <a:spAutoFit/>
+          </a:bodyPr>
+          <a:lstStyle/>
+          <a:p>
+            <a:r>
+              <a:rPr lang="en-US" dirty="0"/>
+              <a:t>1000:</a:t>
+            </a:r>
+          </a:p>
+        </p:txBody>
+      </p:sp>
+      <p:sp>
+        <p:nvSpPr>
+          <p:cNvPr id="15" name="Rectangle 14">
+            <a:extLst>
+              <a:ext uri="{FF2B5EF4-FFF2-40B4-BE49-F238E27FC236}">
+                <a16:creationId xmlns:a16="http://schemas.microsoft.com/office/drawing/2014/main" id="{920ADFA4-90BD-47CC-AF6C-AAF12E73B961}"/>
+              </a:ext>
+            </a:extLst>
+          </p:cNvPr>
+          <p:cNvSpPr/>
+          <p:nvPr/>
+        </p:nvSpPr>
+        <p:spPr>
+          <a:xfrm>
+            <a:off x="3598606" y="4259334"/>
+            <a:ext cx="2721569" cy="547657"/>
+          </a:xfrm>
+          <a:prstGeom prst="rect">
+            <a:avLst/>
+          </a:prstGeom>
+          <a:noFill/>
+        </p:spPr>
+        <p:style>
+          <a:lnRef idx="2">
+            <a:schemeClr val="accent1">
+              <a:shade val="50000"/>
+            </a:schemeClr>
+          </a:lnRef>
+          <a:fillRef idx="1">
+            <a:schemeClr val="accent1"/>
+          </a:fillRef>
+          <a:effectRef idx="0">
+            <a:schemeClr val="accent1"/>
+          </a:effectRef>
+          <a:fontRef idx="minor">
+            <a:schemeClr val="lt1"/>
+          </a:fontRef>
+        </p:style>
+        <p:txBody>
+          <a:bodyPr rtlCol="0" anchor="ctr"/>
+          <a:lstStyle/>
+          <a:p>
+            <a:pPr algn="ctr"/>
+            <a:endParaRPr lang="en-US"/>
+          </a:p>
+        </p:txBody>
+      </p:sp>
+      <p:sp>
+        <p:nvSpPr>
+          <p:cNvPr id="16" name="TextBox 15">
+            <a:extLst>
+              <a:ext uri="{FF2B5EF4-FFF2-40B4-BE49-F238E27FC236}">
+                <a16:creationId xmlns:a16="http://schemas.microsoft.com/office/drawing/2014/main" id="{2AC44B54-6B1B-48D5-87FA-D9E8AC9D5D70}"/>
+              </a:ext>
+            </a:extLst>
+          </p:cNvPr>
+          <p:cNvSpPr txBox="1"/>
+          <p:nvPr/>
+        </p:nvSpPr>
+        <p:spPr>
+          <a:xfrm>
+            <a:off x="5667432" y="4360295"/>
+            <a:ext cx="652743" cy="369332"/>
+          </a:xfrm>
+          <a:prstGeom prst="rect">
+            <a:avLst/>
+          </a:prstGeom>
+          <a:noFill/>
+        </p:spPr>
+        <p:txBody>
+          <a:bodyPr wrap="none" rtlCol="0">
+            <a:spAutoFit/>
+          </a:bodyPr>
+          <a:lstStyle/>
+          <a:p>
+            <a:r>
+              <a:rPr lang="en-US" dirty="0"/>
+              <a:t>1000</a:t>
+            </a:r>
+          </a:p>
+        </p:txBody>
+      </p:sp>
+      <p:sp>
+        <p:nvSpPr>
+          <p:cNvPr id="17" name="TextBox 16">
+            <a:extLst>
+              <a:ext uri="{FF2B5EF4-FFF2-40B4-BE49-F238E27FC236}">
+                <a16:creationId xmlns:a16="http://schemas.microsoft.com/office/drawing/2014/main" id="{118C29D7-42B2-4EBC-8B9E-E690ACF3B865}"/>
+              </a:ext>
+            </a:extLst>
+          </p:cNvPr>
+          <p:cNvSpPr txBox="1"/>
+          <p:nvPr/>
+        </p:nvSpPr>
+        <p:spPr>
+          <a:xfrm>
+            <a:off x="2883346" y="4074668"/>
+            <a:ext cx="715260" cy="369332"/>
+          </a:xfrm>
+          <a:prstGeom prst="rect">
+            <a:avLst/>
+          </a:prstGeom>
+          <a:noFill/>
+        </p:spPr>
+        <p:txBody>
+          <a:bodyPr wrap="none" rtlCol="0">
+            <a:spAutoFit/>
+          </a:bodyPr>
+          <a:lstStyle/>
+          <a:p>
+            <a:r>
+              <a:rPr lang="en-US" dirty="0"/>
+              <a:t>1024:</a:t>
+            </a:r>
+          </a:p>
+        </p:txBody>
+      </p:sp>
+      <p:sp>
+        <p:nvSpPr>
+          <p:cNvPr id="18" name="TextBox 17">
+            <a:extLst>
+              <a:ext uri="{FF2B5EF4-FFF2-40B4-BE49-F238E27FC236}">
+                <a16:creationId xmlns:a16="http://schemas.microsoft.com/office/drawing/2014/main" id="{08AF4E84-E8F7-4096-874C-E50B4C4BF17C}"/>
+              </a:ext>
+            </a:extLst>
+          </p:cNvPr>
+          <p:cNvSpPr txBox="1"/>
+          <p:nvPr/>
+        </p:nvSpPr>
+        <p:spPr>
+          <a:xfrm>
+            <a:off x="3639901" y="4834390"/>
+            <a:ext cx="1590500" cy="369332"/>
+          </a:xfrm>
+          <a:prstGeom prst="rect">
+            <a:avLst/>
+          </a:prstGeom>
+          <a:noFill/>
+        </p:spPr>
+        <p:txBody>
+          <a:bodyPr wrap="none" rtlCol="0">
+            <a:spAutoFit/>
+          </a:bodyPr>
+          <a:lstStyle/>
+          <a:p>
+            <a:r>
+              <a:rPr lang="en-US" dirty="0"/>
+              <a:t>Bear *pb = &amp;b;</a:t>
+            </a:r>
+          </a:p>
+        </p:txBody>
+      </p:sp>
+      <p:cxnSp>
+        <p:nvCxnSpPr>
+          <p:cNvPr id="20" name="Straight Connector 19">
+            <a:extLst>
+              <a:ext uri="{FF2B5EF4-FFF2-40B4-BE49-F238E27FC236}">
+                <a16:creationId xmlns:a16="http://schemas.microsoft.com/office/drawing/2014/main" id="{8D117123-6975-43E2-8E08-91961BE8E281}"/>
+              </a:ext>
+            </a:extLst>
+          </p:cNvPr>
+          <p:cNvCxnSpPr>
+            <a:cxnSpLocks/>
+          </p:cNvCxnSpPr>
+          <p:nvPr/>
+        </p:nvCxnSpPr>
+        <p:spPr>
+          <a:xfrm>
+            <a:off x="4713584" y="2301223"/>
+            <a:ext cx="1606591" cy="0"/>
+          </a:xfrm>
+          <a:prstGeom prst="line">
+            <a:avLst/>
+          </a:prstGeom>
+        </p:spPr>
+        <p:style>
+          <a:lnRef idx="1">
+            <a:schemeClr val="accent1"/>
+          </a:lnRef>
+          <a:fillRef idx="0">
+            <a:schemeClr val="accent1"/>
+          </a:fillRef>
+          <a:effectRef idx="0">
+            <a:schemeClr val="accent1"/>
+          </a:effectRef>
+          <a:fontRef idx="minor">
+            <a:schemeClr val="tx1"/>
+          </a:fontRef>
+        </p:style>
+      </p:cxnSp>
+      <p:sp>
+        <p:nvSpPr>
+          <p:cNvPr id="21" name="TextBox 20">
+            <a:extLst>
+              <a:ext uri="{FF2B5EF4-FFF2-40B4-BE49-F238E27FC236}">
+                <a16:creationId xmlns:a16="http://schemas.microsoft.com/office/drawing/2014/main" id="{0AADAA01-AE09-462F-A5B7-B4261C05EDB9}"/>
+              </a:ext>
+            </a:extLst>
+          </p:cNvPr>
+          <p:cNvSpPr txBox="1"/>
+          <p:nvPr/>
+        </p:nvSpPr>
+        <p:spPr>
+          <a:xfrm>
+            <a:off x="3699981" y="2411944"/>
+            <a:ext cx="2322174" cy="369332"/>
+          </a:xfrm>
+          <a:prstGeom prst="rect">
+            <a:avLst/>
+          </a:prstGeom>
+          <a:noFill/>
+        </p:spPr>
+        <p:txBody>
+          <a:bodyPr wrap="none" rtlCol="0">
+            <a:spAutoFit/>
+          </a:bodyPr>
+          <a:lstStyle/>
+          <a:p>
+            <a:r>
+              <a:rPr lang="en-US" dirty="0"/>
+              <a:t>Dances </a:t>
+            </a:r>
+            <a:r>
+              <a:rPr lang="en-US" dirty="0" err="1"/>
+              <a:t>dances_known</a:t>
+            </a:r>
+            <a:endParaRPr lang="en-US" dirty="0"/>
+          </a:p>
+        </p:txBody>
+      </p:sp>
+      <p:sp>
+        <p:nvSpPr>
+          <p:cNvPr id="22" name="TextBox 21">
+            <a:extLst>
+              <a:ext uri="{FF2B5EF4-FFF2-40B4-BE49-F238E27FC236}">
+                <a16:creationId xmlns:a16="http://schemas.microsoft.com/office/drawing/2014/main" id="{7C1C764A-0CD0-445C-BB47-1F40FC58221D}"/>
+              </a:ext>
+            </a:extLst>
+          </p:cNvPr>
+          <p:cNvSpPr txBox="1"/>
+          <p:nvPr/>
+        </p:nvSpPr>
+        <p:spPr>
+          <a:xfrm>
+            <a:off x="3606009" y="676239"/>
+            <a:ext cx="1188082" cy="646331"/>
+          </a:xfrm>
+          <a:prstGeom prst="rect">
+            <a:avLst/>
+          </a:prstGeom>
+          <a:noFill/>
+        </p:spPr>
+        <p:txBody>
+          <a:bodyPr wrap="none" rtlCol="0">
+            <a:spAutoFit/>
+          </a:bodyPr>
+          <a:lstStyle/>
+          <a:p>
+            <a:r>
+              <a:rPr lang="en-US" dirty="0" err="1"/>
+              <a:t>ZooAnimal</a:t>
+            </a:r>
+            <a:endParaRPr lang="en-US" dirty="0"/>
+          </a:p>
+          <a:p>
+            <a:r>
+              <a:rPr lang="en-US" dirty="0" err="1"/>
+              <a:t>subobject</a:t>
+            </a:r>
+            <a:endParaRPr lang="en-US" dirty="0"/>
+          </a:p>
+        </p:txBody>
+      </p:sp>
+      <p:sp>
+        <p:nvSpPr>
+          <p:cNvPr id="23" name="TextBox 22">
+            <a:extLst>
+              <a:ext uri="{FF2B5EF4-FFF2-40B4-BE49-F238E27FC236}">
+                <a16:creationId xmlns:a16="http://schemas.microsoft.com/office/drawing/2014/main" id="{7829C4A9-41AB-47CC-A78E-6EC6EF37586A}"/>
+              </a:ext>
+            </a:extLst>
+          </p:cNvPr>
+          <p:cNvSpPr txBox="1"/>
+          <p:nvPr/>
+        </p:nvSpPr>
+        <p:spPr>
+          <a:xfrm>
+            <a:off x="3729925" y="3008052"/>
+            <a:ext cx="1420069" cy="369332"/>
+          </a:xfrm>
+          <a:prstGeom prst="rect">
+            <a:avLst/>
+          </a:prstGeom>
+          <a:noFill/>
+        </p:spPr>
+        <p:txBody>
+          <a:bodyPr wrap="none" rtlCol="0">
+            <a:spAutoFit/>
+          </a:bodyPr>
+          <a:lstStyle/>
+          <a:p>
+            <a:r>
+              <a:rPr lang="en-US" dirty="0"/>
+              <a:t>int </a:t>
+            </a:r>
+            <a:r>
+              <a:rPr lang="en-US" dirty="0" err="1"/>
+              <a:t>cell_block</a:t>
+            </a:r>
+            <a:endParaRPr lang="en-US" dirty="0"/>
+          </a:p>
+        </p:txBody>
+      </p:sp>
+      <p:sp>
+        <p:nvSpPr>
+          <p:cNvPr id="24" name="Rectangle 23">
+            <a:extLst>
+              <a:ext uri="{FF2B5EF4-FFF2-40B4-BE49-F238E27FC236}">
+                <a16:creationId xmlns:a16="http://schemas.microsoft.com/office/drawing/2014/main" id="{FA7F918E-ACC0-43B0-B093-D021E2370A85}"/>
+              </a:ext>
+            </a:extLst>
+          </p:cNvPr>
+          <p:cNvSpPr/>
+          <p:nvPr/>
+        </p:nvSpPr>
+        <p:spPr>
+          <a:xfrm>
+            <a:off x="3579924" y="5357121"/>
+            <a:ext cx="2721569" cy="547657"/>
+          </a:xfrm>
+          <a:prstGeom prst="rect">
+            <a:avLst/>
+          </a:prstGeom>
+          <a:noFill/>
+        </p:spPr>
+        <p:style>
+          <a:lnRef idx="2">
+            <a:schemeClr val="accent1">
+              <a:shade val="50000"/>
+            </a:schemeClr>
+          </a:lnRef>
+          <a:fillRef idx="1">
+            <a:schemeClr val="accent1"/>
+          </a:fillRef>
+          <a:effectRef idx="0">
+            <a:schemeClr val="accent1"/>
+          </a:effectRef>
+          <a:fontRef idx="minor">
+            <a:schemeClr val="lt1"/>
+          </a:fontRef>
+        </p:style>
+        <p:txBody>
+          <a:bodyPr rtlCol="0" anchor="ctr"/>
+          <a:lstStyle/>
+          <a:p>
+            <a:pPr algn="ctr"/>
+            <a:endParaRPr lang="en-US"/>
+          </a:p>
+        </p:txBody>
+      </p:sp>
+      <p:sp>
+        <p:nvSpPr>
+          <p:cNvPr id="25" name="TextBox 24">
+            <a:extLst>
+              <a:ext uri="{FF2B5EF4-FFF2-40B4-BE49-F238E27FC236}">
+                <a16:creationId xmlns:a16="http://schemas.microsoft.com/office/drawing/2014/main" id="{BDC71F2E-48F4-4F28-836E-6846EEB8484D}"/>
+              </a:ext>
+            </a:extLst>
+          </p:cNvPr>
+          <p:cNvSpPr txBox="1"/>
+          <p:nvPr/>
+        </p:nvSpPr>
+        <p:spPr>
+          <a:xfrm>
+            <a:off x="2883346" y="5172455"/>
+            <a:ext cx="715260" cy="369332"/>
+          </a:xfrm>
+          <a:prstGeom prst="rect">
+            <a:avLst/>
+          </a:prstGeom>
+          <a:noFill/>
+        </p:spPr>
+        <p:txBody>
+          <a:bodyPr wrap="none" rtlCol="0">
+            <a:spAutoFit/>
+          </a:bodyPr>
+          <a:lstStyle/>
+          <a:p>
+            <a:r>
+              <a:rPr lang="en-US" dirty="0"/>
+              <a:t>1028:</a:t>
+            </a:r>
+          </a:p>
+        </p:txBody>
+      </p:sp>
+      <p:sp>
+        <p:nvSpPr>
+          <p:cNvPr id="26" name="TextBox 25">
+            <a:extLst>
+              <a:ext uri="{FF2B5EF4-FFF2-40B4-BE49-F238E27FC236}">
+                <a16:creationId xmlns:a16="http://schemas.microsoft.com/office/drawing/2014/main" id="{97488A66-B41D-47B6-B135-338BF1BB35C7}"/>
+              </a:ext>
+            </a:extLst>
+          </p:cNvPr>
+          <p:cNvSpPr txBox="1"/>
+          <p:nvPr/>
+        </p:nvSpPr>
+        <p:spPr>
+          <a:xfrm>
+            <a:off x="5667431" y="5443022"/>
+            <a:ext cx="652743" cy="369332"/>
+          </a:xfrm>
+          <a:prstGeom prst="rect">
+            <a:avLst/>
+          </a:prstGeom>
+          <a:noFill/>
+        </p:spPr>
+        <p:txBody>
+          <a:bodyPr wrap="none" rtlCol="0">
+            <a:spAutoFit/>
+          </a:bodyPr>
+          <a:lstStyle/>
+          <a:p>
+            <a:r>
+              <a:rPr lang="en-US" dirty="0"/>
+              <a:t>1000</a:t>
+            </a:r>
+          </a:p>
+        </p:txBody>
+      </p:sp>
+      <p:sp>
+        <p:nvSpPr>
+          <p:cNvPr id="27" name="TextBox 26">
+            <a:extLst>
+              <a:ext uri="{FF2B5EF4-FFF2-40B4-BE49-F238E27FC236}">
+                <a16:creationId xmlns:a16="http://schemas.microsoft.com/office/drawing/2014/main" id="{88F1E506-E024-4175-9ECD-EEA14760A61D}"/>
+              </a:ext>
+            </a:extLst>
+          </p:cNvPr>
+          <p:cNvSpPr txBox="1"/>
+          <p:nvPr/>
+        </p:nvSpPr>
+        <p:spPr>
+          <a:xfrm>
+            <a:off x="3614144" y="5905581"/>
+            <a:ext cx="1670650" cy="369332"/>
+          </a:xfrm>
+          <a:prstGeom prst="rect">
+            <a:avLst/>
+          </a:prstGeom>
+          <a:noFill/>
+        </p:spPr>
+        <p:txBody>
+          <a:bodyPr wrap="none" rtlCol="0">
+            <a:spAutoFit/>
+          </a:bodyPr>
+          <a:lstStyle/>
+          <a:p>
+            <a:r>
+              <a:rPr lang="en-US" dirty="0"/>
+              <a:t>Bear &amp;</a:t>
+            </a:r>
+            <a:r>
+              <a:rPr lang="en-US" dirty="0" err="1"/>
+              <a:t>rb</a:t>
+            </a:r>
+            <a:r>
+              <a:rPr lang="en-US" dirty="0"/>
+              <a:t> = *pb;</a:t>
+            </a:r>
+          </a:p>
+        </p:txBody>
+      </p:sp>
+    </p:spTree>
+    <p:extLst>
+      <p:ext uri="{BB962C8B-B14F-4D97-AF65-F5344CB8AC3E}">
+        <p14:creationId xmlns:p14="http://schemas.microsoft.com/office/powerpoint/2010/main" val="970345904"/>
+      </p:ext>
+    </p:extLst>
+  </p:cSld>
+  <p:clrMapOvr>
+    <a:masterClrMapping/>
+  </p:clrMapOvr>
+</p:sld>
+</file>
+
 <file path=ppt/theme/theme1.xml><?xml version="1.0" encoding="utf-8"?>
 <a:theme xmlns:a="http://schemas.openxmlformats.org/drawingml/2006/main" name="Office Theme">
   <a:themeElements>

--- a/object_lessons/object_lessons.pptx
+++ b/object_lessons/object_lessons.pptx
@@ -10,6 +10,7 @@
     <p:sldId id="258" r:id="rId4"/>
     <p:sldId id="259" r:id="rId5"/>
     <p:sldId id="260" r:id="rId6"/>
+    <p:sldId id="261" r:id="rId7"/>
   </p:sldIdLst>
   <p:sldSz cx="12192000" cy="6858000"/>
   <p:notesSz cx="6858000" cy="9144000"/>
@@ -9130,6 +9131,984 @@
 </p:sld>
 </file>
 
+<file path=ppt/slides/slide6.xml><?xml version="1.0" encoding="utf-8"?>
+<p:sld xmlns:a="http://schemas.openxmlformats.org/drawingml/2006/main" xmlns:r="http://schemas.openxmlformats.org/officeDocument/2006/relationships" xmlns:p="http://schemas.openxmlformats.org/presentationml/2006/main">
+  <p:cSld>
+    <p:spTree>
+      <p:nvGrpSpPr>
+        <p:cNvPr id="1" name=""/>
+        <p:cNvGrpSpPr/>
+        <p:nvPr/>
+      </p:nvGrpSpPr>
+      <p:grpSpPr>
+        <a:xfrm>
+          <a:off x="0" y="0"/>
+          <a:ext cx="0" cy="0"/>
+          <a:chOff x="0" y="0"/>
+          <a:chExt cx="0" cy="0"/>
+        </a:xfrm>
+      </p:grpSpPr>
+      <p:sp>
+        <p:nvSpPr>
+          <p:cNvPr id="4" name="Rectangle 3">
+            <a:extLst>
+              <a:ext uri="{FF2B5EF4-FFF2-40B4-BE49-F238E27FC236}">
+                <a16:creationId xmlns:a16="http://schemas.microsoft.com/office/drawing/2014/main" id="{A42BA910-1D00-4D37-8C11-0E625DFFDCE0}"/>
+              </a:ext>
+            </a:extLst>
+          </p:cNvPr>
+          <p:cNvSpPr/>
+          <p:nvPr/>
+        </p:nvSpPr>
+        <p:spPr>
+          <a:xfrm>
+            <a:off x="3858178" y="377559"/>
+            <a:ext cx="2808093" cy="4648692"/>
+          </a:xfrm>
+          <a:prstGeom prst="rect">
+            <a:avLst/>
+          </a:prstGeom>
+          <a:noFill/>
+        </p:spPr>
+        <p:style>
+          <a:lnRef idx="2">
+            <a:schemeClr val="accent1">
+              <a:shade val="50000"/>
+            </a:schemeClr>
+          </a:lnRef>
+          <a:fillRef idx="1">
+            <a:schemeClr val="accent1"/>
+          </a:fillRef>
+          <a:effectRef idx="0">
+            <a:schemeClr val="accent1"/>
+          </a:effectRef>
+          <a:fontRef idx="minor">
+            <a:schemeClr val="lt1"/>
+          </a:fontRef>
+        </p:style>
+        <p:txBody>
+          <a:bodyPr rtlCol="0" anchor="ctr"/>
+          <a:lstStyle/>
+          <a:p>
+            <a:pPr algn="ctr"/>
+            <a:endParaRPr lang="en-US"/>
+          </a:p>
+        </p:txBody>
+      </p:sp>
+      <p:sp>
+        <p:nvSpPr>
+          <p:cNvPr id="5" name="TextBox 4">
+            <a:extLst>
+              <a:ext uri="{FF2B5EF4-FFF2-40B4-BE49-F238E27FC236}">
+                <a16:creationId xmlns:a16="http://schemas.microsoft.com/office/drawing/2014/main" id="{612E236F-50EC-4DCE-A2F0-C9AC3031932D}"/>
+              </a:ext>
+            </a:extLst>
+          </p:cNvPr>
+          <p:cNvSpPr txBox="1"/>
+          <p:nvPr/>
+        </p:nvSpPr>
+        <p:spPr>
+          <a:xfrm>
+            <a:off x="3858178" y="377559"/>
+            <a:ext cx="1240981" cy="646331"/>
+          </a:xfrm>
+          <a:prstGeom prst="rect">
+            <a:avLst/>
+          </a:prstGeom>
+          <a:noFill/>
+        </p:spPr>
+        <p:txBody>
+          <a:bodyPr wrap="none" rtlCol="0">
+            <a:spAutoFit/>
+          </a:bodyPr>
+          <a:lstStyle/>
+          <a:p>
+            <a:r>
+              <a:rPr lang="en-US" dirty="0" err="1"/>
+              <a:t>ZooAnimal</a:t>
+            </a:r>
+            <a:r>
+              <a:rPr lang="en-US" dirty="0"/>
+              <a:t> </a:t>
+            </a:r>
+          </a:p>
+          <a:p>
+            <a:r>
+              <a:rPr lang="en-US" dirty="0" err="1"/>
+              <a:t>subobject</a:t>
+            </a:r>
+            <a:endParaRPr lang="en-US" dirty="0"/>
+          </a:p>
+        </p:txBody>
+      </p:sp>
+      <p:cxnSp>
+        <p:nvCxnSpPr>
+          <p:cNvPr id="7" name="Straight Connector 6">
+            <a:extLst>
+              <a:ext uri="{FF2B5EF4-FFF2-40B4-BE49-F238E27FC236}">
+                <a16:creationId xmlns:a16="http://schemas.microsoft.com/office/drawing/2014/main" id="{B173556A-4D58-4F54-A867-C7A9EDDDFE17}"/>
+              </a:ext>
+            </a:extLst>
+          </p:cNvPr>
+          <p:cNvCxnSpPr>
+            <a:stCxn id="5" idx="2"/>
+          </p:cNvCxnSpPr>
+          <p:nvPr/>
+        </p:nvCxnSpPr>
+        <p:spPr>
+          <a:xfrm flipV="1">
+            <a:off x="4478669" y="1014689"/>
+            <a:ext cx="2187602" cy="9201"/>
+          </a:xfrm>
+          <a:prstGeom prst="line">
+            <a:avLst/>
+          </a:prstGeom>
+        </p:spPr>
+        <p:style>
+          <a:lnRef idx="1">
+            <a:schemeClr val="accent1"/>
+          </a:lnRef>
+          <a:fillRef idx="0">
+            <a:schemeClr val="accent1"/>
+          </a:fillRef>
+          <a:effectRef idx="0">
+            <a:schemeClr val="accent1"/>
+          </a:effectRef>
+          <a:fontRef idx="minor">
+            <a:schemeClr val="tx1"/>
+          </a:fontRef>
+        </p:style>
+      </p:cxnSp>
+      <p:cxnSp>
+        <p:nvCxnSpPr>
+          <p:cNvPr id="8" name="Straight Connector 7">
+            <a:extLst>
+              <a:ext uri="{FF2B5EF4-FFF2-40B4-BE49-F238E27FC236}">
+                <a16:creationId xmlns:a16="http://schemas.microsoft.com/office/drawing/2014/main" id="{C19B3790-4222-4DA3-8CD0-D93BA065C638}"/>
+              </a:ext>
+            </a:extLst>
+          </p:cNvPr>
+          <p:cNvCxnSpPr/>
+          <p:nvPr/>
+        </p:nvCxnSpPr>
+        <p:spPr>
+          <a:xfrm flipV="1">
+            <a:off x="4478669" y="1456157"/>
+            <a:ext cx="2187602" cy="9201"/>
+          </a:xfrm>
+          <a:prstGeom prst="line">
+            <a:avLst/>
+          </a:prstGeom>
+        </p:spPr>
+        <p:style>
+          <a:lnRef idx="1">
+            <a:schemeClr val="accent1"/>
+          </a:lnRef>
+          <a:fillRef idx="0">
+            <a:schemeClr val="accent1"/>
+          </a:fillRef>
+          <a:effectRef idx="0">
+            <a:schemeClr val="accent1"/>
+          </a:effectRef>
+          <a:fontRef idx="minor">
+            <a:schemeClr val="tx1"/>
+          </a:fontRef>
+        </p:style>
+      </p:cxnSp>
+      <p:cxnSp>
+        <p:nvCxnSpPr>
+          <p:cNvPr id="10" name="Straight Connector 9">
+            <a:extLst>
+              <a:ext uri="{FF2B5EF4-FFF2-40B4-BE49-F238E27FC236}">
+                <a16:creationId xmlns:a16="http://schemas.microsoft.com/office/drawing/2014/main" id="{EC6681C6-67AE-40D1-B724-F9306DB71D00}"/>
+              </a:ext>
+            </a:extLst>
+          </p:cNvPr>
+          <p:cNvCxnSpPr/>
+          <p:nvPr/>
+        </p:nvCxnSpPr>
+        <p:spPr>
+          <a:xfrm>
+            <a:off x="3858178" y="1988083"/>
+            <a:ext cx="2808093" cy="0"/>
+          </a:xfrm>
+          <a:prstGeom prst="line">
+            <a:avLst/>
+          </a:prstGeom>
+        </p:spPr>
+        <p:style>
+          <a:lnRef idx="1">
+            <a:schemeClr val="accent1"/>
+          </a:lnRef>
+          <a:fillRef idx="0">
+            <a:schemeClr val="accent1"/>
+          </a:fillRef>
+          <a:effectRef idx="0">
+            <a:schemeClr val="accent1"/>
+          </a:effectRef>
+          <a:fontRef idx="minor">
+            <a:schemeClr val="tx1"/>
+          </a:fontRef>
+        </p:style>
+      </p:cxnSp>
+      <p:sp>
+        <p:nvSpPr>
+          <p:cNvPr id="11" name="TextBox 10">
+            <a:extLst>
+              <a:ext uri="{FF2B5EF4-FFF2-40B4-BE49-F238E27FC236}">
+                <a16:creationId xmlns:a16="http://schemas.microsoft.com/office/drawing/2014/main" id="{ACC37001-415B-42C7-A195-EDBE04D1B36D}"/>
+              </a:ext>
+            </a:extLst>
+          </p:cNvPr>
+          <p:cNvSpPr txBox="1"/>
+          <p:nvPr/>
+        </p:nvSpPr>
+        <p:spPr>
+          <a:xfrm>
+            <a:off x="4377322" y="1055357"/>
+            <a:ext cx="1590500" cy="369332"/>
+          </a:xfrm>
+          <a:prstGeom prst="rect">
+            <a:avLst/>
+          </a:prstGeom>
+          <a:noFill/>
+        </p:spPr>
+        <p:txBody>
+          <a:bodyPr wrap="none" rtlCol="0">
+            <a:spAutoFit/>
+          </a:bodyPr>
+          <a:lstStyle/>
+          <a:p>
+            <a:r>
+              <a:rPr lang="en-US" dirty="0"/>
+              <a:t>Bear </a:t>
+            </a:r>
+            <a:r>
+              <a:rPr lang="en-US" dirty="0" err="1"/>
+              <a:t>subobject</a:t>
+            </a:r>
+            <a:endParaRPr lang="en-US" dirty="0"/>
+          </a:p>
+        </p:txBody>
+      </p:sp>
+      <p:sp>
+        <p:nvSpPr>
+          <p:cNvPr id="12" name="TextBox 11">
+            <a:extLst>
+              <a:ext uri="{FF2B5EF4-FFF2-40B4-BE49-F238E27FC236}">
+                <a16:creationId xmlns:a16="http://schemas.microsoft.com/office/drawing/2014/main" id="{9020E84B-6556-46F8-8775-D8C2AD6BE8F3}"/>
+              </a:ext>
+            </a:extLst>
+          </p:cNvPr>
+          <p:cNvSpPr txBox="1"/>
+          <p:nvPr/>
+        </p:nvSpPr>
+        <p:spPr>
+          <a:xfrm>
+            <a:off x="3905374" y="1521720"/>
+            <a:ext cx="763222" cy="369332"/>
+          </a:xfrm>
+          <a:prstGeom prst="rect">
+            <a:avLst/>
+          </a:prstGeom>
+          <a:noFill/>
+        </p:spPr>
+        <p:txBody>
+          <a:bodyPr wrap="none" rtlCol="0">
+            <a:spAutoFit/>
+          </a:bodyPr>
+          <a:lstStyle/>
+          <a:p>
+            <a:r>
+              <a:rPr lang="en-US" dirty="0"/>
+              <a:t>Panda</a:t>
+            </a:r>
+          </a:p>
+        </p:txBody>
+      </p:sp>
+      <p:cxnSp>
+        <p:nvCxnSpPr>
+          <p:cNvPr id="14" name="Straight Connector 13">
+            <a:extLst>
+              <a:ext uri="{FF2B5EF4-FFF2-40B4-BE49-F238E27FC236}">
+                <a16:creationId xmlns:a16="http://schemas.microsoft.com/office/drawing/2014/main" id="{5F1B08E7-0A59-46B1-959E-D330F9B093E3}"/>
+              </a:ext>
+            </a:extLst>
+          </p:cNvPr>
+          <p:cNvCxnSpPr>
+            <a:stCxn id="4" idx="1"/>
+            <a:endCxn id="4" idx="3"/>
+          </p:cNvCxnSpPr>
+          <p:nvPr/>
+        </p:nvCxnSpPr>
+        <p:spPr>
+          <a:xfrm>
+            <a:off x="3858178" y="2701905"/>
+            <a:ext cx="2808093" cy="0"/>
+          </a:xfrm>
+          <a:prstGeom prst="line">
+            <a:avLst/>
+          </a:prstGeom>
+        </p:spPr>
+        <p:style>
+          <a:lnRef idx="1">
+            <a:schemeClr val="accent1"/>
+          </a:lnRef>
+          <a:fillRef idx="0">
+            <a:schemeClr val="accent1"/>
+          </a:fillRef>
+          <a:effectRef idx="0">
+            <a:schemeClr val="accent1"/>
+          </a:effectRef>
+          <a:fontRef idx="minor">
+            <a:schemeClr val="tx1"/>
+          </a:fontRef>
+        </p:style>
+      </p:cxnSp>
+      <p:sp>
+        <p:nvSpPr>
+          <p:cNvPr id="15" name="TextBox 14">
+            <a:extLst>
+              <a:ext uri="{FF2B5EF4-FFF2-40B4-BE49-F238E27FC236}">
+                <a16:creationId xmlns:a16="http://schemas.microsoft.com/office/drawing/2014/main" id="{CDDA1DE1-685E-4721-8E68-58D9D2B7E846}"/>
+              </a:ext>
+            </a:extLst>
+          </p:cNvPr>
+          <p:cNvSpPr txBox="1"/>
+          <p:nvPr/>
+        </p:nvSpPr>
+        <p:spPr>
+          <a:xfrm rot="5400000">
+            <a:off x="5179361" y="2172390"/>
+            <a:ext cx="355753" cy="369332"/>
+          </a:xfrm>
+          <a:prstGeom prst="rect">
+            <a:avLst/>
+          </a:prstGeom>
+          <a:noFill/>
+        </p:spPr>
+        <p:txBody>
+          <a:bodyPr wrap="square" rtlCol="0">
+            <a:spAutoFit/>
+          </a:bodyPr>
+          <a:lstStyle/>
+          <a:p>
+            <a:r>
+              <a:rPr lang="en-US" dirty="0"/>
+              <a:t>…</a:t>
+            </a:r>
+          </a:p>
+        </p:txBody>
+      </p:sp>
+      <p:cxnSp>
+        <p:nvCxnSpPr>
+          <p:cNvPr id="17" name="Straight Connector 16">
+            <a:extLst>
+              <a:ext uri="{FF2B5EF4-FFF2-40B4-BE49-F238E27FC236}">
+                <a16:creationId xmlns:a16="http://schemas.microsoft.com/office/drawing/2014/main" id="{CE9B4A5B-4FB7-431D-BFDB-3D198C2CCAFB}"/>
+              </a:ext>
+            </a:extLst>
+          </p:cNvPr>
+          <p:cNvCxnSpPr/>
+          <p:nvPr/>
+        </p:nvCxnSpPr>
+        <p:spPr>
+          <a:xfrm>
+            <a:off x="3858178" y="3122234"/>
+            <a:ext cx="2808093" cy="0"/>
+          </a:xfrm>
+          <a:prstGeom prst="line">
+            <a:avLst/>
+          </a:prstGeom>
+        </p:spPr>
+        <p:style>
+          <a:lnRef idx="1">
+            <a:schemeClr val="accent1"/>
+          </a:lnRef>
+          <a:fillRef idx="0">
+            <a:schemeClr val="accent1"/>
+          </a:fillRef>
+          <a:effectRef idx="0">
+            <a:schemeClr val="accent1"/>
+          </a:effectRef>
+          <a:fontRef idx="minor">
+            <a:schemeClr val="tx1"/>
+          </a:fontRef>
+        </p:style>
+      </p:cxnSp>
+      <p:sp>
+        <p:nvSpPr>
+          <p:cNvPr id="18" name="TextBox 17">
+            <a:extLst>
+              <a:ext uri="{FF2B5EF4-FFF2-40B4-BE49-F238E27FC236}">
+                <a16:creationId xmlns:a16="http://schemas.microsoft.com/office/drawing/2014/main" id="{8F4A6DF2-8B88-427C-9701-2A99806EB9FA}"/>
+              </a:ext>
+            </a:extLst>
+          </p:cNvPr>
+          <p:cNvSpPr txBox="1"/>
+          <p:nvPr/>
+        </p:nvSpPr>
+        <p:spPr>
+          <a:xfrm>
+            <a:off x="3917781" y="2704222"/>
+            <a:ext cx="1501630" cy="369332"/>
+          </a:xfrm>
+          <a:prstGeom prst="rect">
+            <a:avLst/>
+          </a:prstGeom>
+          <a:noFill/>
+        </p:spPr>
+        <p:txBody>
+          <a:bodyPr wrap="none" rtlCol="0">
+            <a:spAutoFit/>
+          </a:bodyPr>
+          <a:lstStyle/>
+          <a:p>
+            <a:r>
+              <a:rPr lang="en-US" dirty="0" err="1"/>
+              <a:t>ZooAnimal</a:t>
+            </a:r>
+            <a:r>
+              <a:rPr lang="en-US" dirty="0"/>
+              <a:t> za;</a:t>
+            </a:r>
+          </a:p>
+        </p:txBody>
+      </p:sp>
+      <p:cxnSp>
+        <p:nvCxnSpPr>
+          <p:cNvPr id="19" name="Straight Connector 18">
+            <a:extLst>
+              <a:ext uri="{FF2B5EF4-FFF2-40B4-BE49-F238E27FC236}">
+                <a16:creationId xmlns:a16="http://schemas.microsoft.com/office/drawing/2014/main" id="{12E9C734-F603-4151-B44A-AB5AD7E28009}"/>
+              </a:ext>
+            </a:extLst>
+          </p:cNvPr>
+          <p:cNvCxnSpPr/>
+          <p:nvPr/>
+        </p:nvCxnSpPr>
+        <p:spPr>
+          <a:xfrm>
+            <a:off x="3858178" y="3504709"/>
+            <a:ext cx="2808093" cy="0"/>
+          </a:xfrm>
+          <a:prstGeom prst="line">
+            <a:avLst/>
+          </a:prstGeom>
+        </p:spPr>
+        <p:style>
+          <a:lnRef idx="1">
+            <a:schemeClr val="accent1"/>
+          </a:lnRef>
+          <a:fillRef idx="0">
+            <a:schemeClr val="accent1"/>
+          </a:fillRef>
+          <a:effectRef idx="0">
+            <a:schemeClr val="accent1"/>
+          </a:effectRef>
+          <a:fontRef idx="minor">
+            <a:schemeClr val="tx1"/>
+          </a:fontRef>
+        </p:style>
+      </p:cxnSp>
+      <p:sp>
+        <p:nvSpPr>
+          <p:cNvPr id="21" name="TextBox 20">
+            <a:extLst>
+              <a:ext uri="{FF2B5EF4-FFF2-40B4-BE49-F238E27FC236}">
+                <a16:creationId xmlns:a16="http://schemas.microsoft.com/office/drawing/2014/main" id="{312387C1-7D4D-4BA7-8517-1F402E8BEB12}"/>
+              </a:ext>
+            </a:extLst>
+          </p:cNvPr>
+          <p:cNvSpPr txBox="1"/>
+          <p:nvPr/>
+        </p:nvSpPr>
+        <p:spPr>
+          <a:xfrm>
+            <a:off x="3917781" y="3122234"/>
+            <a:ext cx="1735732" cy="369332"/>
+          </a:xfrm>
+          <a:prstGeom prst="rect">
+            <a:avLst/>
+          </a:prstGeom>
+          <a:noFill/>
+        </p:spPr>
+        <p:txBody>
+          <a:bodyPr wrap="none" rtlCol="0">
+            <a:spAutoFit/>
+          </a:bodyPr>
+          <a:lstStyle/>
+          <a:p>
+            <a:r>
+              <a:rPr lang="en-US" dirty="0" err="1"/>
+              <a:t>ZooAnimal</a:t>
+            </a:r>
+            <a:r>
+              <a:rPr lang="en-US" dirty="0"/>
+              <a:t> *</a:t>
+            </a:r>
+            <a:r>
+              <a:rPr lang="en-US" dirty="0" err="1"/>
+              <a:t>pza</a:t>
+            </a:r>
+            <a:r>
+              <a:rPr lang="en-US" dirty="0"/>
+              <a:t>;</a:t>
+            </a:r>
+          </a:p>
+        </p:txBody>
+      </p:sp>
+      <p:sp>
+        <p:nvSpPr>
+          <p:cNvPr id="22" name="TextBox 21">
+            <a:extLst>
+              <a:ext uri="{FF2B5EF4-FFF2-40B4-BE49-F238E27FC236}">
+                <a16:creationId xmlns:a16="http://schemas.microsoft.com/office/drawing/2014/main" id="{CCA0F942-2A89-4FBE-9857-65B87EA132ED}"/>
+              </a:ext>
+            </a:extLst>
+          </p:cNvPr>
+          <p:cNvSpPr txBox="1"/>
+          <p:nvPr/>
+        </p:nvSpPr>
+        <p:spPr>
+          <a:xfrm>
+            <a:off x="5967822" y="3135377"/>
+            <a:ext cx="652743" cy="369332"/>
+          </a:xfrm>
+          <a:prstGeom prst="rect">
+            <a:avLst/>
+          </a:prstGeom>
+          <a:noFill/>
+        </p:spPr>
+        <p:txBody>
+          <a:bodyPr wrap="none" rtlCol="0">
+            <a:spAutoFit/>
+          </a:bodyPr>
+          <a:lstStyle/>
+          <a:p>
+            <a:r>
+              <a:rPr lang="en-US" dirty="0"/>
+              <a:t>1016</a:t>
+            </a:r>
+          </a:p>
+        </p:txBody>
+      </p:sp>
+      <p:sp>
+        <p:nvSpPr>
+          <p:cNvPr id="23" name="TextBox 22">
+            <a:extLst>
+              <a:ext uri="{FF2B5EF4-FFF2-40B4-BE49-F238E27FC236}">
+                <a16:creationId xmlns:a16="http://schemas.microsoft.com/office/drawing/2014/main" id="{38F10794-2484-4F41-B2DB-C6600ADF03EE}"/>
+              </a:ext>
+            </a:extLst>
+          </p:cNvPr>
+          <p:cNvSpPr txBox="1"/>
+          <p:nvPr/>
+        </p:nvSpPr>
+        <p:spPr>
+          <a:xfrm>
+            <a:off x="3905374" y="3473868"/>
+            <a:ext cx="1209367" cy="646331"/>
+          </a:xfrm>
+          <a:prstGeom prst="rect">
+            <a:avLst/>
+          </a:prstGeom>
+          <a:noFill/>
+        </p:spPr>
+        <p:txBody>
+          <a:bodyPr wrap="square" rtlCol="0">
+            <a:spAutoFit/>
+          </a:bodyPr>
+          <a:lstStyle/>
+          <a:p>
+            <a:r>
+              <a:rPr lang="en-US" dirty="0" err="1"/>
+              <a:t>ZooAnimal</a:t>
+            </a:r>
+            <a:endParaRPr lang="en-US" dirty="0"/>
+          </a:p>
+          <a:p>
+            <a:r>
+              <a:rPr lang="en-US" dirty="0" err="1"/>
+              <a:t>subobject</a:t>
+            </a:r>
+            <a:endParaRPr lang="en-US" dirty="0"/>
+          </a:p>
+        </p:txBody>
+      </p:sp>
+      <p:cxnSp>
+        <p:nvCxnSpPr>
+          <p:cNvPr id="24" name="Straight Connector 23">
+            <a:extLst>
+              <a:ext uri="{FF2B5EF4-FFF2-40B4-BE49-F238E27FC236}">
+                <a16:creationId xmlns:a16="http://schemas.microsoft.com/office/drawing/2014/main" id="{BD9A4D77-EC53-4024-8B6D-FB372AE5115C}"/>
+              </a:ext>
+            </a:extLst>
+          </p:cNvPr>
+          <p:cNvCxnSpPr/>
+          <p:nvPr/>
+        </p:nvCxnSpPr>
+        <p:spPr>
+          <a:xfrm>
+            <a:off x="3858177" y="4600514"/>
+            <a:ext cx="2808093" cy="0"/>
+          </a:xfrm>
+          <a:prstGeom prst="line">
+            <a:avLst/>
+          </a:prstGeom>
+        </p:spPr>
+        <p:style>
+          <a:lnRef idx="1">
+            <a:schemeClr val="accent1"/>
+          </a:lnRef>
+          <a:fillRef idx="0">
+            <a:schemeClr val="accent1"/>
+          </a:fillRef>
+          <a:effectRef idx="0">
+            <a:schemeClr val="accent1"/>
+          </a:effectRef>
+          <a:fontRef idx="minor">
+            <a:schemeClr val="tx1"/>
+          </a:fontRef>
+        </p:style>
+      </p:cxnSp>
+      <p:cxnSp>
+        <p:nvCxnSpPr>
+          <p:cNvPr id="26" name="Straight Connector 25">
+            <a:extLst>
+              <a:ext uri="{FF2B5EF4-FFF2-40B4-BE49-F238E27FC236}">
+                <a16:creationId xmlns:a16="http://schemas.microsoft.com/office/drawing/2014/main" id="{69E2034A-9459-4933-805D-A6052F7119F3}"/>
+              </a:ext>
+            </a:extLst>
+          </p:cNvPr>
+          <p:cNvCxnSpPr/>
+          <p:nvPr/>
+        </p:nvCxnSpPr>
+        <p:spPr>
+          <a:xfrm>
+            <a:off x="4872868" y="4247536"/>
+            <a:ext cx="1793403" cy="0"/>
+          </a:xfrm>
+          <a:prstGeom prst="line">
+            <a:avLst/>
+          </a:prstGeom>
+        </p:spPr>
+        <p:style>
+          <a:lnRef idx="1">
+            <a:schemeClr val="accent1"/>
+          </a:lnRef>
+          <a:fillRef idx="0">
+            <a:schemeClr val="accent1"/>
+          </a:fillRef>
+          <a:effectRef idx="0">
+            <a:schemeClr val="accent1"/>
+          </a:effectRef>
+          <a:fontRef idx="minor">
+            <a:schemeClr val="tx1"/>
+          </a:fontRef>
+        </p:style>
+      </p:cxnSp>
+      <p:sp>
+        <p:nvSpPr>
+          <p:cNvPr id="27" name="TextBox 26">
+            <a:extLst>
+              <a:ext uri="{FF2B5EF4-FFF2-40B4-BE49-F238E27FC236}">
+                <a16:creationId xmlns:a16="http://schemas.microsoft.com/office/drawing/2014/main" id="{5AD256DE-A741-4C4F-BAE3-BAE4A48E9671}"/>
+              </a:ext>
+            </a:extLst>
+          </p:cNvPr>
+          <p:cNvSpPr txBox="1"/>
+          <p:nvPr/>
+        </p:nvSpPr>
+        <p:spPr>
+          <a:xfrm>
+            <a:off x="3917781" y="4231182"/>
+            <a:ext cx="790601" cy="369332"/>
+          </a:xfrm>
+          <a:prstGeom prst="rect">
+            <a:avLst/>
+          </a:prstGeom>
+          <a:noFill/>
+        </p:spPr>
+        <p:txBody>
+          <a:bodyPr wrap="none" rtlCol="0">
+            <a:spAutoFit/>
+          </a:bodyPr>
+          <a:lstStyle/>
+          <a:p>
+            <a:r>
+              <a:rPr lang="en-US" dirty="0"/>
+              <a:t>Bear b</a:t>
+            </a:r>
+          </a:p>
+        </p:txBody>
+      </p:sp>
+      <p:sp>
+        <p:nvSpPr>
+          <p:cNvPr id="28" name="TextBox 27">
+            <a:extLst>
+              <a:ext uri="{FF2B5EF4-FFF2-40B4-BE49-F238E27FC236}">
+                <a16:creationId xmlns:a16="http://schemas.microsoft.com/office/drawing/2014/main" id="{09567F69-A527-4863-BD24-78B4F3BD6F99}"/>
+              </a:ext>
+            </a:extLst>
+          </p:cNvPr>
+          <p:cNvSpPr txBox="1"/>
+          <p:nvPr/>
+        </p:nvSpPr>
+        <p:spPr>
+          <a:xfrm>
+            <a:off x="3905374" y="4626940"/>
+            <a:ext cx="1175194" cy="369332"/>
+          </a:xfrm>
+          <a:prstGeom prst="rect">
+            <a:avLst/>
+          </a:prstGeom>
+          <a:noFill/>
+        </p:spPr>
+        <p:txBody>
+          <a:bodyPr wrap="none" rtlCol="0">
+            <a:spAutoFit/>
+          </a:bodyPr>
+          <a:lstStyle/>
+          <a:p>
+            <a:r>
+              <a:rPr lang="en-US" dirty="0"/>
+              <a:t>Panda *pp</a:t>
+            </a:r>
+          </a:p>
+        </p:txBody>
+      </p:sp>
+      <p:sp>
+        <p:nvSpPr>
+          <p:cNvPr id="29" name="TextBox 28">
+            <a:extLst>
+              <a:ext uri="{FF2B5EF4-FFF2-40B4-BE49-F238E27FC236}">
+                <a16:creationId xmlns:a16="http://schemas.microsoft.com/office/drawing/2014/main" id="{18171D10-FA2C-4186-A10E-C4DF22E356DD}"/>
+              </a:ext>
+            </a:extLst>
+          </p:cNvPr>
+          <p:cNvSpPr txBox="1"/>
+          <p:nvPr/>
+        </p:nvSpPr>
+        <p:spPr>
+          <a:xfrm>
+            <a:off x="5629915" y="4626940"/>
+            <a:ext cx="1003801" cy="369332"/>
+          </a:xfrm>
+          <a:prstGeom prst="rect">
+            <a:avLst/>
+          </a:prstGeom>
+          <a:noFill/>
+        </p:spPr>
+        <p:txBody>
+          <a:bodyPr wrap="none" rtlCol="0">
+            <a:spAutoFit/>
+          </a:bodyPr>
+          <a:lstStyle/>
+          <a:p>
+            <a:r>
+              <a:rPr lang="en-US" dirty="0"/>
+              <a:t>1000000</a:t>
+            </a:r>
+          </a:p>
+        </p:txBody>
+      </p:sp>
+      <p:sp>
+        <p:nvSpPr>
+          <p:cNvPr id="30" name="Rectangle 29">
+            <a:extLst>
+              <a:ext uri="{FF2B5EF4-FFF2-40B4-BE49-F238E27FC236}">
+                <a16:creationId xmlns:a16="http://schemas.microsoft.com/office/drawing/2014/main" id="{10A19B2A-A219-40C3-A65E-9AF0AC6B7984}"/>
+              </a:ext>
+            </a:extLst>
+          </p:cNvPr>
+          <p:cNvSpPr/>
+          <p:nvPr/>
+        </p:nvSpPr>
+        <p:spPr>
+          <a:xfrm>
+            <a:off x="3634003" y="2229956"/>
+            <a:ext cx="369333" cy="238439"/>
+          </a:xfrm>
+          <a:prstGeom prst="rect">
+            <a:avLst/>
+          </a:prstGeom>
+          <a:solidFill>
+            <a:schemeClr val="bg1"/>
+          </a:solidFill>
+          <a:ln>
+            <a:noFill/>
+          </a:ln>
+        </p:spPr>
+        <p:style>
+          <a:lnRef idx="2">
+            <a:schemeClr val="accent1">
+              <a:shade val="50000"/>
+            </a:schemeClr>
+          </a:lnRef>
+          <a:fillRef idx="1">
+            <a:schemeClr val="accent1"/>
+          </a:fillRef>
+          <a:effectRef idx="0">
+            <a:schemeClr val="accent1"/>
+          </a:effectRef>
+          <a:fontRef idx="minor">
+            <a:schemeClr val="lt1"/>
+          </a:fontRef>
+        </p:style>
+        <p:txBody>
+          <a:bodyPr rtlCol="0" anchor="ctr"/>
+          <a:lstStyle/>
+          <a:p>
+            <a:pPr algn="ctr"/>
+            <a:endParaRPr lang="en-US"/>
+          </a:p>
+        </p:txBody>
+      </p:sp>
+      <p:sp>
+        <p:nvSpPr>
+          <p:cNvPr id="31" name="Rectangle 30">
+            <a:extLst>
+              <a:ext uri="{FF2B5EF4-FFF2-40B4-BE49-F238E27FC236}">
+                <a16:creationId xmlns:a16="http://schemas.microsoft.com/office/drawing/2014/main" id="{A4BC9427-D342-49AA-998C-3E8A16751B1A}"/>
+              </a:ext>
+            </a:extLst>
+          </p:cNvPr>
+          <p:cNvSpPr/>
+          <p:nvPr/>
+        </p:nvSpPr>
+        <p:spPr>
+          <a:xfrm>
+            <a:off x="6481603" y="2247652"/>
+            <a:ext cx="369333" cy="238439"/>
+          </a:xfrm>
+          <a:prstGeom prst="rect">
+            <a:avLst/>
+          </a:prstGeom>
+          <a:solidFill>
+            <a:schemeClr val="bg1"/>
+          </a:solidFill>
+          <a:ln>
+            <a:noFill/>
+          </a:ln>
+        </p:spPr>
+        <p:style>
+          <a:lnRef idx="2">
+            <a:schemeClr val="accent1">
+              <a:shade val="50000"/>
+            </a:schemeClr>
+          </a:lnRef>
+          <a:fillRef idx="1">
+            <a:schemeClr val="accent1"/>
+          </a:fillRef>
+          <a:effectRef idx="0">
+            <a:schemeClr val="accent1"/>
+          </a:effectRef>
+          <a:fontRef idx="minor">
+            <a:schemeClr val="lt1"/>
+          </a:fontRef>
+        </p:style>
+        <p:txBody>
+          <a:bodyPr rtlCol="0" anchor="ctr"/>
+          <a:lstStyle/>
+          <a:p>
+            <a:pPr algn="ctr"/>
+            <a:endParaRPr lang="en-US"/>
+          </a:p>
+        </p:txBody>
+      </p:sp>
+      <p:sp>
+        <p:nvSpPr>
+          <p:cNvPr id="32" name="TextBox 31">
+            <a:extLst>
+              <a:ext uri="{FF2B5EF4-FFF2-40B4-BE49-F238E27FC236}">
+                <a16:creationId xmlns:a16="http://schemas.microsoft.com/office/drawing/2014/main" id="{75701443-0330-4425-BC61-DEE5C04FB782}"/>
+              </a:ext>
+            </a:extLst>
+          </p:cNvPr>
+          <p:cNvSpPr txBox="1"/>
+          <p:nvPr/>
+        </p:nvSpPr>
+        <p:spPr>
+          <a:xfrm>
+            <a:off x="3818669" y="5031046"/>
+            <a:ext cx="2491580" cy="1477328"/>
+          </a:xfrm>
+          <a:prstGeom prst="rect">
+            <a:avLst/>
+          </a:prstGeom>
+          <a:noFill/>
+        </p:spPr>
+        <p:txBody>
+          <a:bodyPr wrap="none" rtlCol="0">
+            <a:spAutoFit/>
+          </a:bodyPr>
+          <a:lstStyle/>
+          <a:p>
+            <a:r>
+              <a:rPr lang="en-US" dirty="0" err="1"/>
+              <a:t>ZooAnimal</a:t>
+            </a:r>
+            <a:r>
+              <a:rPr lang="en-US" dirty="0"/>
+              <a:t> za;</a:t>
+            </a:r>
+          </a:p>
+          <a:p>
+            <a:r>
+              <a:rPr lang="en-US" dirty="0" err="1"/>
+              <a:t>ZooAnimal</a:t>
+            </a:r>
+            <a:r>
+              <a:rPr lang="en-US" dirty="0"/>
+              <a:t> *</a:t>
+            </a:r>
+            <a:r>
+              <a:rPr lang="en-US" dirty="0" err="1"/>
+              <a:t>pza</a:t>
+            </a:r>
+            <a:r>
+              <a:rPr lang="en-US" dirty="0"/>
+              <a:t>;</a:t>
+            </a:r>
+          </a:p>
+          <a:p>
+            <a:r>
+              <a:rPr lang="en-US" dirty="0"/>
+              <a:t>Bear b;</a:t>
+            </a:r>
+          </a:p>
+          <a:p>
+            <a:r>
+              <a:rPr lang="en-US" dirty="0"/>
+              <a:t>Panda *pp = new Panda;</a:t>
+            </a:r>
+          </a:p>
+          <a:p>
+            <a:r>
+              <a:rPr lang="en-US" dirty="0" err="1"/>
+              <a:t>pza</a:t>
+            </a:r>
+            <a:r>
+              <a:rPr lang="en-US" dirty="0"/>
+              <a:t> = &amp;b;</a:t>
+            </a:r>
+          </a:p>
+        </p:txBody>
+      </p:sp>
+    </p:spTree>
+    <p:extLst>
+      <p:ext uri="{BB962C8B-B14F-4D97-AF65-F5344CB8AC3E}">
+        <p14:creationId xmlns:p14="http://schemas.microsoft.com/office/powerpoint/2010/main" val="1198040086"/>
+      </p:ext>
+    </p:extLst>
+  </p:cSld>
+  <p:clrMapOvr>
+    <a:masterClrMapping/>
+  </p:clrMapOvr>
+</p:sld>
+</file>
+
 <file path=ppt/theme/theme1.xml><?xml version="1.0" encoding="utf-8"?>
 <a:theme xmlns:a="http://schemas.openxmlformats.org/drawingml/2006/main" name="Office Theme">
   <a:themeElements>

--- a/object_lessons/object_lessons.pptx
+++ b/object_lessons/object_lessons.pptx
@@ -10096,6 +10096,181 @@
           </a:p>
         </p:txBody>
       </p:sp>
+      <p:sp>
+        <p:nvSpPr>
+          <p:cNvPr id="33" name="TextBox 32">
+            <a:extLst>
+              <a:ext uri="{FF2B5EF4-FFF2-40B4-BE49-F238E27FC236}">
+                <a16:creationId xmlns:a16="http://schemas.microsoft.com/office/drawing/2014/main" id="{68582AAB-EA9D-49C8-A965-4A71D2C8D463}"/>
+              </a:ext>
+            </a:extLst>
+          </p:cNvPr>
+          <p:cNvSpPr txBox="1"/>
+          <p:nvPr/>
+        </p:nvSpPr>
+        <p:spPr>
+          <a:xfrm>
+            <a:off x="2839056" y="261782"/>
+            <a:ext cx="1066318" cy="369332"/>
+          </a:xfrm>
+          <a:prstGeom prst="rect">
+            <a:avLst/>
+          </a:prstGeom>
+          <a:noFill/>
+        </p:spPr>
+        <p:txBody>
+          <a:bodyPr wrap="none" rtlCol="0">
+            <a:spAutoFit/>
+          </a:bodyPr>
+          <a:lstStyle/>
+          <a:p>
+            <a:r>
+              <a:rPr lang="en-US" dirty="0"/>
+              <a:t>1000000:</a:t>
+            </a:r>
+          </a:p>
+        </p:txBody>
+      </p:sp>
+      <p:sp>
+        <p:nvSpPr>
+          <p:cNvPr id="34" name="TextBox 33">
+            <a:extLst>
+              <a:ext uri="{FF2B5EF4-FFF2-40B4-BE49-F238E27FC236}">
+                <a16:creationId xmlns:a16="http://schemas.microsoft.com/office/drawing/2014/main" id="{6F3DB150-C4D3-4468-AF53-A2F9EA95D4A9}"/>
+              </a:ext>
+            </a:extLst>
+          </p:cNvPr>
+          <p:cNvSpPr txBox="1"/>
+          <p:nvPr/>
+        </p:nvSpPr>
+        <p:spPr>
+          <a:xfrm>
+            <a:off x="3202521" y="2590922"/>
+            <a:ext cx="715260" cy="369332"/>
+          </a:xfrm>
+          <a:prstGeom prst="rect">
+            <a:avLst/>
+          </a:prstGeom>
+          <a:noFill/>
+        </p:spPr>
+        <p:txBody>
+          <a:bodyPr wrap="none" rtlCol="0">
+            <a:spAutoFit/>
+          </a:bodyPr>
+          <a:lstStyle/>
+          <a:p>
+            <a:r>
+              <a:rPr lang="en-US" dirty="0"/>
+              <a:t>1000:</a:t>
+            </a:r>
+          </a:p>
+        </p:txBody>
+      </p:sp>
+      <p:sp>
+        <p:nvSpPr>
+          <p:cNvPr id="35" name="TextBox 34">
+            <a:extLst>
+              <a:ext uri="{FF2B5EF4-FFF2-40B4-BE49-F238E27FC236}">
+                <a16:creationId xmlns:a16="http://schemas.microsoft.com/office/drawing/2014/main" id="{39A493E6-7269-4B0F-BD81-60F9CDD5337A}"/>
+              </a:ext>
+            </a:extLst>
+          </p:cNvPr>
+          <p:cNvSpPr txBox="1"/>
+          <p:nvPr/>
+        </p:nvSpPr>
+        <p:spPr>
+          <a:xfrm>
+            <a:off x="3196318" y="3021453"/>
+            <a:ext cx="715260" cy="369332"/>
+          </a:xfrm>
+          <a:prstGeom prst="rect">
+            <a:avLst/>
+          </a:prstGeom>
+          <a:noFill/>
+        </p:spPr>
+        <p:txBody>
+          <a:bodyPr wrap="none" rtlCol="0">
+            <a:spAutoFit/>
+          </a:bodyPr>
+          <a:lstStyle/>
+          <a:p>
+            <a:r>
+              <a:rPr lang="en-US" dirty="0"/>
+              <a:t>1012:</a:t>
+            </a:r>
+          </a:p>
+        </p:txBody>
+      </p:sp>
+      <p:sp>
+        <p:nvSpPr>
+          <p:cNvPr id="36" name="TextBox 35">
+            <a:extLst>
+              <a:ext uri="{FF2B5EF4-FFF2-40B4-BE49-F238E27FC236}">
+                <a16:creationId xmlns:a16="http://schemas.microsoft.com/office/drawing/2014/main" id="{3B01207B-4976-4B52-9A58-B7C8887C1933}"/>
+              </a:ext>
+            </a:extLst>
+          </p:cNvPr>
+          <p:cNvSpPr txBox="1"/>
+          <p:nvPr/>
+        </p:nvSpPr>
+        <p:spPr>
+          <a:xfrm>
+            <a:off x="3190114" y="3414229"/>
+            <a:ext cx="715260" cy="369332"/>
+          </a:xfrm>
+          <a:prstGeom prst="rect">
+            <a:avLst/>
+          </a:prstGeom>
+          <a:noFill/>
+        </p:spPr>
+        <p:txBody>
+          <a:bodyPr wrap="none" rtlCol="0">
+            <a:spAutoFit/>
+          </a:bodyPr>
+          <a:lstStyle/>
+          <a:p>
+            <a:r>
+              <a:rPr lang="en-US" dirty="0"/>
+              <a:t>1016:</a:t>
+            </a:r>
+          </a:p>
+        </p:txBody>
+      </p:sp>
+      <p:sp>
+        <p:nvSpPr>
+          <p:cNvPr id="37" name="TextBox 36">
+            <a:extLst>
+              <a:ext uri="{FF2B5EF4-FFF2-40B4-BE49-F238E27FC236}">
+                <a16:creationId xmlns:a16="http://schemas.microsoft.com/office/drawing/2014/main" id="{45009F5E-F0ED-4789-B985-A228850D1BD3}"/>
+              </a:ext>
+            </a:extLst>
+          </p:cNvPr>
+          <p:cNvSpPr txBox="1"/>
+          <p:nvPr/>
+        </p:nvSpPr>
+        <p:spPr>
+          <a:xfrm>
+            <a:off x="6620565" y="297061"/>
+            <a:ext cx="1533946" cy="369332"/>
+          </a:xfrm>
+          <a:prstGeom prst="rect">
+            <a:avLst/>
+          </a:prstGeom>
+          <a:noFill/>
+        </p:spPr>
+        <p:txBody>
+          <a:bodyPr wrap="none" rtlCol="0">
+            <a:spAutoFit/>
+          </a:bodyPr>
+          <a:lstStyle/>
+          <a:p>
+            <a:r>
+              <a:rPr lang="en-US" dirty="0"/>
+              <a:t>Heap Memory</a:t>
+            </a:r>
+          </a:p>
+        </p:txBody>
+      </p:sp>
     </p:spTree>
     <p:extLst>
       <p:ext uri="{BB962C8B-B14F-4D97-AF65-F5344CB8AC3E}">
